--- a/Previous presentations/HZZ_coupling.pptx
+++ b/Previous presentations/HZZ_coupling.pptx
@@ -267,7 +267,7 @@
           <a:p>
             <a:fld id="{083BA064-C149-499A-9F8F-C8BFCC727DB4}" type="datetimeFigureOut">
               <a:rPr lang="zh-CN" altLang="en-US" smtClean="0"/>
-              <a:t>2023/8/8</a:t>
+              <a:t>2023/8/16</a:t>
             </a:fld>
             <a:endParaRPr lang="zh-CN" altLang="en-US"/>
           </a:p>
@@ -465,7 +465,7 @@
           <a:p>
             <a:fld id="{083BA064-C149-499A-9F8F-C8BFCC727DB4}" type="datetimeFigureOut">
               <a:rPr lang="zh-CN" altLang="en-US" smtClean="0"/>
-              <a:t>2023/8/8</a:t>
+              <a:t>2023/8/16</a:t>
             </a:fld>
             <a:endParaRPr lang="zh-CN" altLang="en-US"/>
           </a:p>
@@ -673,7 +673,7 @@
           <a:p>
             <a:fld id="{083BA064-C149-499A-9F8F-C8BFCC727DB4}" type="datetimeFigureOut">
               <a:rPr lang="zh-CN" altLang="en-US" smtClean="0"/>
-              <a:t>2023/8/8</a:t>
+              <a:t>2023/8/16</a:t>
             </a:fld>
             <a:endParaRPr lang="zh-CN" altLang="en-US"/>
           </a:p>
@@ -871,7 +871,7 @@
           <a:p>
             <a:fld id="{083BA064-C149-499A-9F8F-C8BFCC727DB4}" type="datetimeFigureOut">
               <a:rPr lang="zh-CN" altLang="en-US" smtClean="0"/>
-              <a:t>2023/8/8</a:t>
+              <a:t>2023/8/16</a:t>
             </a:fld>
             <a:endParaRPr lang="zh-CN" altLang="en-US"/>
           </a:p>
@@ -1146,7 +1146,7 @@
           <a:p>
             <a:fld id="{083BA064-C149-499A-9F8F-C8BFCC727DB4}" type="datetimeFigureOut">
               <a:rPr lang="zh-CN" altLang="en-US" smtClean="0"/>
-              <a:t>2023/8/8</a:t>
+              <a:t>2023/8/16</a:t>
             </a:fld>
             <a:endParaRPr lang="zh-CN" altLang="en-US"/>
           </a:p>
@@ -1411,7 +1411,7 @@
           <a:p>
             <a:fld id="{083BA064-C149-499A-9F8F-C8BFCC727DB4}" type="datetimeFigureOut">
               <a:rPr lang="zh-CN" altLang="en-US" smtClean="0"/>
-              <a:t>2023/8/8</a:t>
+              <a:t>2023/8/16</a:t>
             </a:fld>
             <a:endParaRPr lang="zh-CN" altLang="en-US"/>
           </a:p>
@@ -1823,7 +1823,7 @@
           <a:p>
             <a:fld id="{083BA064-C149-499A-9F8F-C8BFCC727DB4}" type="datetimeFigureOut">
               <a:rPr lang="zh-CN" altLang="en-US" smtClean="0"/>
-              <a:t>2023/8/8</a:t>
+              <a:t>2023/8/16</a:t>
             </a:fld>
             <a:endParaRPr lang="zh-CN" altLang="en-US"/>
           </a:p>
@@ -1964,7 +1964,7 @@
           <a:p>
             <a:fld id="{083BA064-C149-499A-9F8F-C8BFCC727DB4}" type="datetimeFigureOut">
               <a:rPr lang="zh-CN" altLang="en-US" smtClean="0"/>
-              <a:t>2023/8/8</a:t>
+              <a:t>2023/8/16</a:t>
             </a:fld>
             <a:endParaRPr lang="zh-CN" altLang="en-US"/>
           </a:p>
@@ -2077,7 +2077,7 @@
           <a:p>
             <a:fld id="{083BA064-C149-499A-9F8F-C8BFCC727DB4}" type="datetimeFigureOut">
               <a:rPr lang="zh-CN" altLang="en-US" smtClean="0"/>
-              <a:t>2023/8/8</a:t>
+              <a:t>2023/8/16</a:t>
             </a:fld>
             <a:endParaRPr lang="zh-CN" altLang="en-US"/>
           </a:p>
@@ -2388,7 +2388,7 @@
           <a:p>
             <a:fld id="{083BA064-C149-499A-9F8F-C8BFCC727DB4}" type="datetimeFigureOut">
               <a:rPr lang="zh-CN" altLang="en-US" smtClean="0"/>
-              <a:t>2023/8/8</a:t>
+              <a:t>2023/8/16</a:t>
             </a:fld>
             <a:endParaRPr lang="zh-CN" altLang="en-US"/>
           </a:p>
@@ -2676,7 +2676,7 @@
           <a:p>
             <a:fld id="{083BA064-C149-499A-9F8F-C8BFCC727DB4}" type="datetimeFigureOut">
               <a:rPr lang="zh-CN" altLang="en-US" smtClean="0"/>
-              <a:t>2023/8/8</a:t>
+              <a:t>2023/8/16</a:t>
             </a:fld>
             <a:endParaRPr lang="zh-CN" altLang="en-US"/>
           </a:p>
@@ -2917,7 +2917,7 @@
           <a:p>
             <a:fld id="{083BA064-C149-499A-9F8F-C8BFCC727DB4}" type="datetimeFigureOut">
               <a:rPr lang="zh-CN" altLang="en-US" smtClean="0"/>
-              <a:t>2023/8/8</a:t>
+              <a:t>2023/8/16</a:t>
             </a:fld>
             <a:endParaRPr lang="zh-CN" altLang="en-US"/>
           </a:p>
@@ -6247,6 +6247,42 @@
           <a:chExt cx="0" cy="0"/>
         </a:xfrm>
       </p:grpSpPr>
+      <p:pic>
+        <p:nvPicPr>
+          <p:cNvPr id="5" name="图片 4" descr="图表, 条形图&#10;&#10;描述已自动生成">
+            <a:extLst>
+              <a:ext uri="{FF2B5EF4-FFF2-40B4-BE49-F238E27FC236}">
+                <a16:creationId xmlns:a16="http://schemas.microsoft.com/office/drawing/2014/main" id="{4ECE725E-6E01-4498-92E9-0C246E2D3C86}"/>
+              </a:ext>
+            </a:extLst>
+          </p:cNvPr>
+          <p:cNvPicPr>
+            <a:picLocks noChangeAspect="1"/>
+          </p:cNvPicPr>
+          <p:nvPr/>
+        </p:nvPicPr>
+        <p:blipFill>
+          <a:blip r:embed="rId2">
+            <a:extLst>
+              <a:ext uri="{28A0092B-C50C-407E-A947-70E740481C1C}">
+                <a14:useLocalDpi xmlns:a14="http://schemas.microsoft.com/office/drawing/2010/main" val="0"/>
+              </a:ext>
+            </a:extLst>
+          </a:blip>
+          <a:stretch>
+            <a:fillRect/>
+          </a:stretch>
+        </p:blipFill>
+        <p:spPr>
+          <a:xfrm>
+            <a:off x="1" y="2422688"/>
+            <a:ext cx="6909812" cy="4423523"/>
+          </a:xfrm>
+          <a:prstGeom prst="rect">
+            <a:avLst/>
+          </a:prstGeom>
+        </p:spPr>
+      </p:pic>
       <p:sp>
         <p:nvSpPr>
           <p:cNvPr id="2" name="标题 1">
@@ -6713,7 +6749,7 @@
                 <a:avLst/>
               </a:prstGeom>
               <a:blipFill>
-                <a:blip r:embed="rId2"/>
+                <a:blip r:embed="rId3"/>
                 <a:stretch>
                   <a:fillRect l="-736"/>
                 </a:stretch>
@@ -6749,7 +6785,7 @@
         <p:spPr>
           <a:xfrm>
             <a:off x="7852527" y="210376"/>
-            <a:ext cx="4166219" cy="2308324"/>
+            <a:ext cx="4166219" cy="2862322"/>
           </a:xfrm>
           <a:prstGeom prst="rect">
             <a:avLst/>
@@ -6829,12 +6865,14 @@
               <a:buAutoNum type="arabicPeriod"/>
             </a:pPr>
             <a:r>
-              <a:rPr lang="en-US" altLang="zh-CN" dirty="0" err="1"/>
-              <a:t>Ishmam’s</a:t>
+              <a:rPr lang="en-US" altLang="zh-CN" dirty="0">
+                <a:hlinkClick r:id="rId4"/>
+              </a:rPr>
+              <a:t>2308.06323.pdf (arxiv.org)</a:t>
             </a:r>
             <a:r>
               <a:rPr lang="en-US" altLang="zh-CN" dirty="0"/>
-              <a:t> result. (VV&gt;H*&gt;</a:t>
+              <a:t>. (VV&gt;H*&gt;</a:t>
             </a:r>
             <a:r>
               <a:rPr lang="en-US" altLang="zh-CN" dirty="0" err="1"/>
@@ -6852,13 +6890,13 @@
             </a:pPr>
             <a:r>
               <a:rPr lang="en-US" altLang="zh-CN" dirty="0">
-                <a:hlinkClick r:id="rId3"/>
+                <a:hlinkClick r:id="rId5"/>
               </a:rPr>
               <a:t>2008.12204.pdf (arxiv.org)</a:t>
             </a:r>
             <a:r>
               <a:rPr lang="en-US" altLang="zh-CN" dirty="0"/>
-              <a:t>  (WW:ZZ)</a:t>
+              <a:t>  (WW:ZZ=10:1)</a:t>
             </a:r>
           </a:p>
           <a:p>
@@ -6910,31 +6948,31 @@
           <a:p>
             <a:r>
               <a:rPr lang="en-US" altLang="zh-CN" dirty="0">
-                <a:hlinkClick r:id="rId4"/>
+                <a:hlinkClick r:id="rId6"/>
               </a:rPr>
               <a:t>GuidelinesCouplingProjections2018 &lt; </a:t>
             </a:r>
             <a:r>
               <a:rPr lang="en-US" altLang="zh-CN" dirty="0" err="1">
-                <a:hlinkClick r:id="rId4"/>
+                <a:hlinkClick r:id="rId6"/>
               </a:rPr>
               <a:t>LHCPhysics</a:t>
             </a:r>
             <a:r>
               <a:rPr lang="en-US" altLang="zh-CN" dirty="0">
-                <a:hlinkClick r:id="rId4"/>
+                <a:hlinkClick r:id="rId6"/>
               </a:rPr>
               <a:t> &lt; </a:t>
             </a:r>
             <a:r>
               <a:rPr lang="en-US" altLang="zh-CN" dirty="0" err="1">
-                <a:hlinkClick r:id="rId4"/>
+                <a:hlinkClick r:id="rId6"/>
               </a:rPr>
               <a:t>TWiki</a:t>
             </a:r>
             <a:r>
               <a:rPr lang="en-US" altLang="zh-CN" dirty="0">
-                <a:hlinkClick r:id="rId4"/>
+                <a:hlinkClick r:id="rId6"/>
               </a:rPr>
               <a:t> (cern.ch)</a:t>
             </a:r>
@@ -6946,7 +6984,7 @@
           <a:p>
             <a:r>
               <a:rPr lang="en-US" altLang="zh-CN" dirty="0">
-                <a:hlinkClick r:id="rId5"/>
+                <a:hlinkClick r:id="rId7"/>
               </a:rPr>
               <a:t>Invisible decays of the Higgs boson at the HL-LHC: experimental overview - On behalf of ATLAS and CMS H invisible teams (cern.ch)</a:t>
             </a:r>
@@ -6954,8 +6992,8 @@
           </a:p>
         </p:txBody>
       </p:sp>
-      <mc:AlternateContent xmlns:mc="http://schemas.openxmlformats.org/markup-compatibility/2006" xmlns:a14="http://schemas.microsoft.com/office/drawing/2010/main">
-        <mc:Choice Requires="a14">
+      <mc:AlternateContent xmlns:mc="http://schemas.openxmlformats.org/markup-compatibility/2006">
+        <mc:Choice xmlns:a14="http://schemas.microsoft.com/office/drawing/2010/main" Requires="a14">
           <p:sp>
             <p:nvSpPr>
               <p:cNvPr id="13" name="文本框 12">
@@ -6970,7 +7008,7 @@
             </p:nvSpPr>
             <p:spPr>
               <a:xfrm>
-                <a:off x="6688862" y="6014323"/>
+                <a:off x="6981092" y="5962345"/>
                 <a:ext cx="4759036" cy="483466"/>
               </a:xfrm>
               <a:prstGeom prst="rect">
@@ -7102,7 +7140,7 @@
             </p:txBody>
           </p:sp>
         </mc:Choice>
-        <mc:Fallback xmlns="">
+        <mc:Fallback>
           <p:sp>
             <p:nvSpPr>
               <p:cNvPr id="13" name="文本框 12">
@@ -7119,14 +7157,14 @@
             </p:nvSpPr>
             <p:spPr>
               <a:xfrm>
-                <a:off x="6688862" y="6014323"/>
+                <a:off x="6981092" y="5962345"/>
                 <a:ext cx="4759036" cy="483466"/>
               </a:xfrm>
               <a:prstGeom prst="rect">
                 <a:avLst/>
               </a:prstGeom>
               <a:blipFill>
-                <a:blip r:embed="rId6"/>
+                <a:blip r:embed="rId8"/>
                 <a:stretch>
                   <a:fillRect l="-1024" b="-8861"/>
                 </a:stretch>
@@ -7147,42 +7185,6 @@
           </p:sp>
         </mc:Fallback>
       </mc:AlternateContent>
-      <p:pic>
-        <p:nvPicPr>
-          <p:cNvPr id="4" name="图片 3" descr="图表, 条形图&#10;&#10;描述已自动生成">
-            <a:extLst>
-              <a:ext uri="{FF2B5EF4-FFF2-40B4-BE49-F238E27FC236}">
-                <a16:creationId xmlns:a16="http://schemas.microsoft.com/office/drawing/2014/main" id="{AE997264-13DF-4CDF-A237-BE815E5C582C}"/>
-              </a:ext>
-            </a:extLst>
-          </p:cNvPr>
-          <p:cNvPicPr>
-            <a:picLocks noChangeAspect="1"/>
-          </p:cNvPicPr>
-          <p:nvPr/>
-        </p:nvPicPr>
-        <p:blipFill>
-          <a:blip r:embed="rId7">
-            <a:extLst>
-              <a:ext uri="{28A0092B-C50C-407E-A947-70E740481C1C}">
-                <a14:useLocalDpi xmlns:a14="http://schemas.microsoft.com/office/drawing/2010/main" val="0"/>
-              </a:ext>
-            </a:extLst>
-          </a:blip>
-          <a:stretch>
-            <a:fillRect/>
-          </a:stretch>
-        </p:blipFill>
-        <p:spPr>
-          <a:xfrm>
-            <a:off x="70339" y="2433085"/>
-            <a:ext cx="6349315" cy="4064704"/>
-          </a:xfrm>
-          <a:prstGeom prst="rect">
-            <a:avLst/>
-          </a:prstGeom>
-        </p:spPr>
-      </p:pic>
     </p:spTree>
     <p:extLst>
       <p:ext uri="{BB962C8B-B14F-4D97-AF65-F5344CB8AC3E}">
@@ -7215,10 +7217,10 @@
       </p:grpSpPr>
       <p:pic>
         <p:nvPicPr>
-          <p:cNvPr id="10" name="图片 9" descr="图表, 条形图&#10;&#10;描述已自动生成">
-            <a:extLst>
-              <a:ext uri="{FF2B5EF4-FFF2-40B4-BE49-F238E27FC236}">
-                <a16:creationId xmlns:a16="http://schemas.microsoft.com/office/drawing/2014/main" id="{E4A91BC0-C9E2-426B-8E1D-1775F21A8C63}"/>
+          <p:cNvPr id="3" name="图片 2" descr="图表, 条形图&#10;&#10;描述已自动生成">
+            <a:extLst>
+              <a:ext uri="{FF2B5EF4-FFF2-40B4-BE49-F238E27FC236}">
+                <a16:creationId xmlns:a16="http://schemas.microsoft.com/office/drawing/2014/main" id="{D12D9FF3-4EB9-4DFD-B28B-79FCC3202CE2}"/>
               </a:ext>
             </a:extLst>
           </p:cNvPr>
@@ -7241,8 +7243,8 @@
         </p:blipFill>
         <p:spPr>
           <a:xfrm>
-            <a:off x="777349" y="174978"/>
-            <a:ext cx="10165961" cy="6508044"/>
+            <a:off x="466927" y="51395"/>
+            <a:ext cx="10632331" cy="6806605"/>
           </a:xfrm>
           <a:prstGeom prst="rect">
             <a:avLst/>

--- a/Previous presentations/HZZ_coupling.pptx
+++ b/Previous presentations/HZZ_coupling.pptx
@@ -14,6 +14,16 @@
     <p:sldId id="303" r:id="rId8"/>
     <p:sldId id="289" r:id="rId9"/>
     <p:sldId id="304" r:id="rId10"/>
+    <p:sldId id="305" r:id="rId11"/>
+    <p:sldId id="306" r:id="rId12"/>
+    <p:sldId id="310" r:id="rId13"/>
+    <p:sldId id="311" r:id="rId14"/>
+    <p:sldId id="312" r:id="rId15"/>
+    <p:sldId id="314" r:id="rId16"/>
+    <p:sldId id="313" r:id="rId17"/>
+    <p:sldId id="307" r:id="rId18"/>
+    <p:sldId id="308" r:id="rId19"/>
+    <p:sldId id="309" r:id="rId20"/>
   </p:sldIdLst>
   <p:sldSz cx="12192000" cy="6858000"/>
   <p:notesSz cx="6858000" cy="9144000"/>
@@ -267,7 +277,7 @@
           <a:p>
             <a:fld id="{083BA064-C149-499A-9F8F-C8BFCC727DB4}" type="datetimeFigureOut">
               <a:rPr lang="zh-CN" altLang="en-US" smtClean="0"/>
-              <a:t>2023/8/16</a:t>
+              <a:t>2023/9/23</a:t>
             </a:fld>
             <a:endParaRPr lang="zh-CN" altLang="en-US"/>
           </a:p>
@@ -465,7 +475,7 @@
           <a:p>
             <a:fld id="{083BA064-C149-499A-9F8F-C8BFCC727DB4}" type="datetimeFigureOut">
               <a:rPr lang="zh-CN" altLang="en-US" smtClean="0"/>
-              <a:t>2023/8/16</a:t>
+              <a:t>2023/9/23</a:t>
             </a:fld>
             <a:endParaRPr lang="zh-CN" altLang="en-US"/>
           </a:p>
@@ -673,7 +683,7 @@
           <a:p>
             <a:fld id="{083BA064-C149-499A-9F8F-C8BFCC727DB4}" type="datetimeFigureOut">
               <a:rPr lang="zh-CN" altLang="en-US" smtClean="0"/>
-              <a:t>2023/8/16</a:t>
+              <a:t>2023/9/23</a:t>
             </a:fld>
             <a:endParaRPr lang="zh-CN" altLang="en-US"/>
           </a:p>
@@ -871,7 +881,7 @@
           <a:p>
             <a:fld id="{083BA064-C149-499A-9F8F-C8BFCC727DB4}" type="datetimeFigureOut">
               <a:rPr lang="zh-CN" altLang="en-US" smtClean="0"/>
-              <a:t>2023/8/16</a:t>
+              <a:t>2023/9/23</a:t>
             </a:fld>
             <a:endParaRPr lang="zh-CN" altLang="en-US"/>
           </a:p>
@@ -1146,7 +1156,7 @@
           <a:p>
             <a:fld id="{083BA064-C149-499A-9F8F-C8BFCC727DB4}" type="datetimeFigureOut">
               <a:rPr lang="zh-CN" altLang="en-US" smtClean="0"/>
-              <a:t>2023/8/16</a:t>
+              <a:t>2023/9/23</a:t>
             </a:fld>
             <a:endParaRPr lang="zh-CN" altLang="en-US"/>
           </a:p>
@@ -1411,7 +1421,7 @@
           <a:p>
             <a:fld id="{083BA064-C149-499A-9F8F-C8BFCC727DB4}" type="datetimeFigureOut">
               <a:rPr lang="zh-CN" altLang="en-US" smtClean="0"/>
-              <a:t>2023/8/16</a:t>
+              <a:t>2023/9/23</a:t>
             </a:fld>
             <a:endParaRPr lang="zh-CN" altLang="en-US"/>
           </a:p>
@@ -1823,7 +1833,7 @@
           <a:p>
             <a:fld id="{083BA064-C149-499A-9F8F-C8BFCC727DB4}" type="datetimeFigureOut">
               <a:rPr lang="zh-CN" altLang="en-US" smtClean="0"/>
-              <a:t>2023/8/16</a:t>
+              <a:t>2023/9/23</a:t>
             </a:fld>
             <a:endParaRPr lang="zh-CN" altLang="en-US"/>
           </a:p>
@@ -1964,7 +1974,7 @@
           <a:p>
             <a:fld id="{083BA064-C149-499A-9F8F-C8BFCC727DB4}" type="datetimeFigureOut">
               <a:rPr lang="zh-CN" altLang="en-US" smtClean="0"/>
-              <a:t>2023/8/16</a:t>
+              <a:t>2023/9/23</a:t>
             </a:fld>
             <a:endParaRPr lang="zh-CN" altLang="en-US"/>
           </a:p>
@@ -2077,7 +2087,7 @@
           <a:p>
             <a:fld id="{083BA064-C149-499A-9F8F-C8BFCC727DB4}" type="datetimeFigureOut">
               <a:rPr lang="zh-CN" altLang="en-US" smtClean="0"/>
-              <a:t>2023/8/16</a:t>
+              <a:t>2023/9/23</a:t>
             </a:fld>
             <a:endParaRPr lang="zh-CN" altLang="en-US"/>
           </a:p>
@@ -2388,7 +2398,7 @@
           <a:p>
             <a:fld id="{083BA064-C149-499A-9F8F-C8BFCC727DB4}" type="datetimeFigureOut">
               <a:rPr lang="zh-CN" altLang="en-US" smtClean="0"/>
-              <a:t>2023/8/16</a:t>
+              <a:t>2023/9/23</a:t>
             </a:fld>
             <a:endParaRPr lang="zh-CN" altLang="en-US"/>
           </a:p>
@@ -2676,7 +2686,7 @@
           <a:p>
             <a:fld id="{083BA064-C149-499A-9F8F-C8BFCC727DB4}" type="datetimeFigureOut">
               <a:rPr lang="zh-CN" altLang="en-US" smtClean="0"/>
-              <a:t>2023/8/16</a:t>
+              <a:t>2023/9/23</a:t>
             </a:fld>
             <a:endParaRPr lang="zh-CN" altLang="en-US"/>
           </a:p>
@@ -2917,7 +2927,7 @@
           <a:p>
             <a:fld id="{083BA064-C149-499A-9F8F-C8BFCC727DB4}" type="datetimeFigureOut">
               <a:rPr lang="zh-CN" altLang="en-US" smtClean="0"/>
-              <a:t>2023/8/16</a:t>
+              <a:t>2023/9/23</a:t>
             </a:fld>
             <a:endParaRPr lang="zh-CN" altLang="en-US"/>
           </a:p>
@@ -4431,6 +4441,4207 @@
     <p:extLst>
       <p:ext uri="{BB962C8B-B14F-4D97-AF65-F5344CB8AC3E}">
         <p14:creationId xmlns:p14="http://schemas.microsoft.com/office/powerpoint/2010/main" val="2920548811"/>
+      </p:ext>
+    </p:extLst>
+  </p:cSld>
+  <p:clrMapOvr>
+    <a:masterClrMapping/>
+  </p:clrMapOvr>
+</p:sld>
+</file>
+
+<file path=ppt/slides/slide10.xml><?xml version="1.0" encoding="utf-8"?>
+<p:sld xmlns:a="http://schemas.openxmlformats.org/drawingml/2006/main" xmlns:r="http://schemas.openxmlformats.org/officeDocument/2006/relationships" xmlns:p="http://schemas.openxmlformats.org/presentationml/2006/main">
+  <p:cSld>
+    <p:spTree>
+      <p:nvGrpSpPr>
+        <p:cNvPr id="1" name=""/>
+        <p:cNvGrpSpPr/>
+        <p:nvPr/>
+      </p:nvGrpSpPr>
+      <p:grpSpPr>
+        <a:xfrm>
+          <a:off x="0" y="0"/>
+          <a:ext cx="0" cy="0"/>
+          <a:chOff x="0" y="0"/>
+          <a:chExt cx="0" cy="0"/>
+        </a:xfrm>
+      </p:grpSpPr>
+      <p:sp>
+        <p:nvSpPr>
+          <p:cNvPr id="2" name="标题 1">
+            <a:extLst>
+              <a:ext uri="{FF2B5EF4-FFF2-40B4-BE49-F238E27FC236}">
+                <a16:creationId xmlns:a16="http://schemas.microsoft.com/office/drawing/2014/main" id="{C674CE20-4818-4D61-83C4-16C58AEDAB8D}"/>
+              </a:ext>
+            </a:extLst>
+          </p:cNvPr>
+          <p:cNvSpPr>
+            <a:spLocks noGrp="1"/>
+          </p:cNvSpPr>
+          <p:nvPr>
+            <p:ph type="title"/>
+          </p:nvPr>
+        </p:nvSpPr>
+        <p:spPr/>
+        <p:txBody>
+          <a:bodyPr/>
+          <a:lstStyle/>
+          <a:p>
+            <a:r>
+              <a:rPr lang="en-US" altLang="zh-CN" dirty="0"/>
+              <a:t>3/10 </a:t>
+            </a:r>
+            <a:r>
+              <a:rPr lang="en-US" altLang="zh-CN" dirty="0" err="1"/>
+              <a:t>TeV</a:t>
+            </a:r>
+            <a:r>
+              <a:rPr lang="en-US" altLang="zh-CN" dirty="0"/>
+              <a:t> muon collider</a:t>
+            </a:r>
+            <a:endParaRPr lang="zh-CN" altLang="en-US" dirty="0"/>
+          </a:p>
+        </p:txBody>
+      </p:sp>
+      <p:pic>
+        <p:nvPicPr>
+          <p:cNvPr id="12" name="图片 11" descr="表格&#10;&#10;描述已自动生成">
+            <a:extLst>
+              <a:ext uri="{FF2B5EF4-FFF2-40B4-BE49-F238E27FC236}">
+                <a16:creationId xmlns:a16="http://schemas.microsoft.com/office/drawing/2014/main" id="{39083745-7EFC-42C7-925F-5396680EE646}"/>
+              </a:ext>
+            </a:extLst>
+          </p:cNvPr>
+          <p:cNvPicPr>
+            <a:picLocks noChangeAspect="1"/>
+          </p:cNvPicPr>
+          <p:nvPr/>
+        </p:nvPicPr>
+        <p:blipFill>
+          <a:blip r:embed="rId2">
+            <a:extLst>
+              <a:ext uri="{28A0092B-C50C-407E-A947-70E740481C1C}">
+                <a14:useLocalDpi xmlns:a14="http://schemas.microsoft.com/office/drawing/2010/main" val="0"/>
+              </a:ext>
+            </a:extLst>
+          </a:blip>
+          <a:stretch>
+            <a:fillRect/>
+          </a:stretch>
+        </p:blipFill>
+        <p:spPr>
+          <a:xfrm>
+            <a:off x="1190076" y="1967133"/>
+            <a:ext cx="9185536" cy="2064502"/>
+          </a:xfrm>
+          <a:prstGeom prst="rect">
+            <a:avLst/>
+          </a:prstGeom>
+        </p:spPr>
+      </p:pic>
+      <p:pic>
+        <p:nvPicPr>
+          <p:cNvPr id="14" name="图片 13" descr="图形用户界面, 表格&#10;&#10;中度可信度描述已自动生成">
+            <a:extLst>
+              <a:ext uri="{FF2B5EF4-FFF2-40B4-BE49-F238E27FC236}">
+                <a16:creationId xmlns:a16="http://schemas.microsoft.com/office/drawing/2014/main" id="{2C7FF345-04D0-41C9-A650-7BA05E751D3B}"/>
+              </a:ext>
+            </a:extLst>
+          </p:cNvPr>
+          <p:cNvPicPr>
+            <a:picLocks noChangeAspect="1"/>
+          </p:cNvPicPr>
+          <p:nvPr/>
+        </p:nvPicPr>
+        <p:blipFill>
+          <a:blip r:embed="rId3">
+            <a:extLst>
+              <a:ext uri="{28A0092B-C50C-407E-A947-70E740481C1C}">
+                <a14:useLocalDpi xmlns:a14="http://schemas.microsoft.com/office/drawing/2010/main" val="0"/>
+              </a:ext>
+            </a:extLst>
+          </a:blip>
+          <a:stretch>
+            <a:fillRect/>
+          </a:stretch>
+        </p:blipFill>
+        <p:spPr>
+          <a:xfrm>
+            <a:off x="1190076" y="4594196"/>
+            <a:ext cx="9185536" cy="2157743"/>
+          </a:xfrm>
+          <a:prstGeom prst="rect">
+            <a:avLst/>
+          </a:prstGeom>
+        </p:spPr>
+      </p:pic>
+    </p:spTree>
+    <p:extLst>
+      <p:ext uri="{BB962C8B-B14F-4D97-AF65-F5344CB8AC3E}">
+        <p14:creationId xmlns:p14="http://schemas.microsoft.com/office/powerpoint/2010/main" val="1726528584"/>
+      </p:ext>
+    </p:extLst>
+  </p:cSld>
+  <p:clrMapOvr>
+    <a:masterClrMapping/>
+  </p:clrMapOvr>
+</p:sld>
+</file>
+
+<file path=ppt/slides/slide11.xml><?xml version="1.0" encoding="utf-8"?>
+<p:sld xmlns:a="http://schemas.openxmlformats.org/drawingml/2006/main" xmlns:r="http://schemas.openxmlformats.org/officeDocument/2006/relationships" xmlns:p="http://schemas.openxmlformats.org/presentationml/2006/main">
+  <p:cSld>
+    <p:spTree>
+      <p:nvGrpSpPr>
+        <p:cNvPr id="1" name=""/>
+        <p:cNvGrpSpPr/>
+        <p:nvPr/>
+      </p:nvGrpSpPr>
+      <p:grpSpPr>
+        <a:xfrm>
+          <a:off x="0" y="0"/>
+          <a:ext cx="0" cy="0"/>
+          <a:chOff x="0" y="0"/>
+          <a:chExt cx="0" cy="0"/>
+        </a:xfrm>
+      </p:grpSpPr>
+      <p:sp>
+        <p:nvSpPr>
+          <p:cNvPr id="2" name="标题 1">
+            <a:extLst>
+              <a:ext uri="{FF2B5EF4-FFF2-40B4-BE49-F238E27FC236}">
+                <a16:creationId xmlns:a16="http://schemas.microsoft.com/office/drawing/2014/main" id="{57F97A40-0F8D-4D1A-AE2B-82DB0E0B7411}"/>
+              </a:ext>
+            </a:extLst>
+          </p:cNvPr>
+          <p:cNvSpPr>
+            <a:spLocks noGrp="1"/>
+          </p:cNvSpPr>
+          <p:nvPr>
+            <p:ph type="title"/>
+          </p:nvPr>
+        </p:nvSpPr>
+        <p:spPr>
+          <a:xfrm>
+            <a:off x="838200" y="0"/>
+            <a:ext cx="10515600" cy="1325563"/>
+          </a:xfrm>
+        </p:spPr>
+        <p:txBody>
+          <a:bodyPr/>
+          <a:lstStyle/>
+          <a:p>
+            <a:r>
+              <a:rPr lang="en-US" altLang="zh-CN" dirty="0"/>
+              <a:t>3/10 </a:t>
+            </a:r>
+            <a:r>
+              <a:rPr lang="en-US" altLang="zh-CN" dirty="0" err="1"/>
+              <a:t>TeV</a:t>
+            </a:r>
+            <a:r>
+              <a:rPr lang="en-US" altLang="zh-CN" dirty="0"/>
+              <a:t> muon collider</a:t>
+            </a:r>
+            <a:endParaRPr lang="zh-CN" altLang="en-US" dirty="0"/>
+          </a:p>
+        </p:txBody>
+      </p:sp>
+      <p:pic>
+        <p:nvPicPr>
+          <p:cNvPr id="5" name="内容占位符 4" descr="图表, 折线图&#10;&#10;描述已自动生成">
+            <a:extLst>
+              <a:ext uri="{FF2B5EF4-FFF2-40B4-BE49-F238E27FC236}">
+                <a16:creationId xmlns:a16="http://schemas.microsoft.com/office/drawing/2014/main" id="{01F3015E-62D4-4F95-B76C-00A415F40982}"/>
+              </a:ext>
+            </a:extLst>
+          </p:cNvPr>
+          <p:cNvPicPr>
+            <a:picLocks noGrp="1" noChangeAspect="1"/>
+          </p:cNvPicPr>
+          <p:nvPr>
+            <p:ph idx="1"/>
+          </p:nvPr>
+        </p:nvPicPr>
+        <p:blipFill>
+          <a:blip r:embed="rId2">
+            <a:extLst>
+              <a:ext uri="{28A0092B-C50C-407E-A947-70E740481C1C}">
+                <a14:useLocalDpi xmlns:a14="http://schemas.microsoft.com/office/drawing/2010/main" val="0"/>
+              </a:ext>
+            </a:extLst>
+          </a:blip>
+          <a:stretch>
+            <a:fillRect/>
+          </a:stretch>
+        </p:blipFill>
+        <p:spPr>
+          <a:xfrm>
+            <a:off x="6245157" y="1594393"/>
+            <a:ext cx="5946843" cy="4100335"/>
+          </a:xfrm>
+        </p:spPr>
+      </p:pic>
+      <p:pic>
+        <p:nvPicPr>
+          <p:cNvPr id="7" name="图片 6" descr="图表, 直方图&#10;&#10;描述已自动生成">
+            <a:extLst>
+              <a:ext uri="{FF2B5EF4-FFF2-40B4-BE49-F238E27FC236}">
+                <a16:creationId xmlns:a16="http://schemas.microsoft.com/office/drawing/2014/main" id="{16D8742E-8A57-47A3-996A-D38E475EFC8F}"/>
+              </a:ext>
+            </a:extLst>
+          </p:cNvPr>
+          <p:cNvPicPr>
+            <a:picLocks noChangeAspect="1"/>
+          </p:cNvPicPr>
+          <p:nvPr/>
+        </p:nvPicPr>
+        <p:blipFill>
+          <a:blip r:embed="rId3">
+            <a:extLst>
+              <a:ext uri="{28A0092B-C50C-407E-A947-70E740481C1C}">
+                <a14:useLocalDpi xmlns:a14="http://schemas.microsoft.com/office/drawing/2010/main" val="0"/>
+              </a:ext>
+            </a:extLst>
+          </a:blip>
+          <a:stretch>
+            <a:fillRect/>
+          </a:stretch>
+        </p:blipFill>
+        <p:spPr>
+          <a:xfrm>
+            <a:off x="0" y="1560000"/>
+            <a:ext cx="5946843" cy="4000481"/>
+          </a:xfrm>
+          <a:prstGeom prst="rect">
+            <a:avLst/>
+          </a:prstGeom>
+        </p:spPr>
+      </p:pic>
+      <p:sp>
+        <p:nvSpPr>
+          <p:cNvPr id="8" name="文本框 7">
+            <a:extLst>
+              <a:ext uri="{FF2B5EF4-FFF2-40B4-BE49-F238E27FC236}">
+                <a16:creationId xmlns:a16="http://schemas.microsoft.com/office/drawing/2014/main" id="{3E3E8D09-8F95-46C3-B3C5-9D4949A29692}"/>
+              </a:ext>
+            </a:extLst>
+          </p:cNvPr>
+          <p:cNvSpPr txBox="1"/>
+          <p:nvPr/>
+        </p:nvSpPr>
+        <p:spPr>
+          <a:xfrm>
+            <a:off x="2686639" y="1225061"/>
+            <a:ext cx="1225485" cy="369332"/>
+          </a:xfrm>
+          <a:prstGeom prst="rect">
+            <a:avLst/>
+          </a:prstGeom>
+          <a:noFill/>
+        </p:spPr>
+        <p:txBody>
+          <a:bodyPr wrap="square" rtlCol="0">
+            <a:spAutoFit/>
+          </a:bodyPr>
+          <a:lstStyle/>
+          <a:p>
+            <a:r>
+              <a:rPr lang="en-US" altLang="zh-CN" dirty="0"/>
+              <a:t>3 </a:t>
+            </a:r>
+            <a:r>
+              <a:rPr lang="en-US" altLang="zh-CN" dirty="0" err="1"/>
+              <a:t>TeV</a:t>
+            </a:r>
+            <a:endParaRPr lang="zh-CN" altLang="en-US" dirty="0"/>
+          </a:p>
+        </p:txBody>
+      </p:sp>
+      <p:sp>
+        <p:nvSpPr>
+          <p:cNvPr id="9" name="文本框 8">
+            <a:extLst>
+              <a:ext uri="{FF2B5EF4-FFF2-40B4-BE49-F238E27FC236}">
+                <a16:creationId xmlns:a16="http://schemas.microsoft.com/office/drawing/2014/main" id="{0457827F-EBBE-45C2-AE99-F6D79CB94CFA}"/>
+              </a:ext>
+            </a:extLst>
+          </p:cNvPr>
+          <p:cNvSpPr txBox="1"/>
+          <p:nvPr/>
+        </p:nvSpPr>
+        <p:spPr>
+          <a:xfrm>
+            <a:off x="9045716" y="1181058"/>
+            <a:ext cx="1225485" cy="369332"/>
+          </a:xfrm>
+          <a:prstGeom prst="rect">
+            <a:avLst/>
+          </a:prstGeom>
+          <a:noFill/>
+        </p:spPr>
+        <p:txBody>
+          <a:bodyPr wrap="square" rtlCol="0">
+            <a:spAutoFit/>
+          </a:bodyPr>
+          <a:lstStyle/>
+          <a:p>
+            <a:r>
+              <a:rPr lang="en-US" altLang="zh-CN" dirty="0"/>
+              <a:t>10 </a:t>
+            </a:r>
+            <a:r>
+              <a:rPr lang="en-US" altLang="zh-CN" dirty="0" err="1"/>
+              <a:t>TeV</a:t>
+            </a:r>
+            <a:endParaRPr lang="zh-CN" altLang="en-US" dirty="0"/>
+          </a:p>
+        </p:txBody>
+      </p:sp>
+      <p:pic>
+        <p:nvPicPr>
+          <p:cNvPr id="12" name="图片 11" descr="表格&#10;&#10;描述已自动生成">
+            <a:extLst>
+              <a:ext uri="{FF2B5EF4-FFF2-40B4-BE49-F238E27FC236}">
+                <a16:creationId xmlns:a16="http://schemas.microsoft.com/office/drawing/2014/main" id="{41E74D77-D7ED-4D9B-BE68-19786728044E}"/>
+              </a:ext>
+            </a:extLst>
+          </p:cNvPr>
+          <p:cNvPicPr>
+            <a:picLocks noChangeAspect="1"/>
+          </p:cNvPicPr>
+          <p:nvPr/>
+        </p:nvPicPr>
+        <p:blipFill>
+          <a:blip r:embed="rId4">
+            <a:extLst>
+              <a:ext uri="{28A0092B-C50C-407E-A947-70E740481C1C}">
+                <a14:useLocalDpi xmlns:a14="http://schemas.microsoft.com/office/drawing/2010/main" val="0"/>
+              </a:ext>
+            </a:extLst>
+          </a:blip>
+          <a:stretch>
+            <a:fillRect/>
+          </a:stretch>
+        </p:blipFill>
+        <p:spPr>
+          <a:xfrm>
+            <a:off x="838200" y="5590639"/>
+            <a:ext cx="4553932" cy="1023523"/>
+          </a:xfrm>
+          <a:prstGeom prst="rect">
+            <a:avLst/>
+          </a:prstGeom>
+        </p:spPr>
+      </p:pic>
+      <p:pic>
+        <p:nvPicPr>
+          <p:cNvPr id="13" name="图片 12" descr="图形用户界面, 表格&#10;&#10;中度可信度描述已自动生成">
+            <a:extLst>
+              <a:ext uri="{FF2B5EF4-FFF2-40B4-BE49-F238E27FC236}">
+                <a16:creationId xmlns:a16="http://schemas.microsoft.com/office/drawing/2014/main" id="{17DE8C0C-0FBE-4254-822B-FB56088FCC20}"/>
+              </a:ext>
+            </a:extLst>
+          </p:cNvPr>
+          <p:cNvPicPr>
+            <a:picLocks noChangeAspect="1"/>
+          </p:cNvPicPr>
+          <p:nvPr/>
+        </p:nvPicPr>
+        <p:blipFill>
+          <a:blip r:embed="rId5">
+            <a:extLst>
+              <a:ext uri="{28A0092B-C50C-407E-A947-70E740481C1C}">
+                <a14:useLocalDpi xmlns:a14="http://schemas.microsoft.com/office/drawing/2010/main" val="0"/>
+              </a:ext>
+            </a:extLst>
+          </a:blip>
+          <a:stretch>
+            <a:fillRect/>
+          </a:stretch>
+        </p:blipFill>
+        <p:spPr>
+          <a:xfrm>
+            <a:off x="7173464" y="5560481"/>
+            <a:ext cx="4462837" cy="1048350"/>
+          </a:xfrm>
+          <a:prstGeom prst="rect">
+            <a:avLst/>
+          </a:prstGeom>
+        </p:spPr>
+      </p:pic>
+    </p:spTree>
+    <p:extLst>
+      <p:ext uri="{BB962C8B-B14F-4D97-AF65-F5344CB8AC3E}">
+        <p14:creationId xmlns:p14="http://schemas.microsoft.com/office/powerpoint/2010/main" val="1474426277"/>
+      </p:ext>
+    </p:extLst>
+  </p:cSld>
+  <p:clrMapOvr>
+    <a:masterClrMapping/>
+  </p:clrMapOvr>
+</p:sld>
+</file>
+
+<file path=ppt/slides/slide12.xml><?xml version="1.0" encoding="utf-8"?>
+<p:sld xmlns:a="http://schemas.openxmlformats.org/drawingml/2006/main" xmlns:r="http://schemas.openxmlformats.org/officeDocument/2006/relationships" xmlns:p="http://schemas.openxmlformats.org/presentationml/2006/main">
+  <p:cSld>
+    <p:spTree>
+      <p:nvGrpSpPr>
+        <p:cNvPr id="1" name=""/>
+        <p:cNvGrpSpPr/>
+        <p:nvPr/>
+      </p:nvGrpSpPr>
+      <p:grpSpPr>
+        <a:xfrm>
+          <a:off x="0" y="0"/>
+          <a:ext cx="0" cy="0"/>
+          <a:chOff x="0" y="0"/>
+          <a:chExt cx="0" cy="0"/>
+        </a:xfrm>
+      </p:grpSpPr>
+      <p:sp>
+        <p:nvSpPr>
+          <p:cNvPr id="2" name="标题 1">
+            <a:extLst>
+              <a:ext uri="{FF2B5EF4-FFF2-40B4-BE49-F238E27FC236}">
+                <a16:creationId xmlns:a16="http://schemas.microsoft.com/office/drawing/2014/main" id="{C1CF1418-E446-4BF0-96F6-0C0BEDEAB002}"/>
+              </a:ext>
+            </a:extLst>
+          </p:cNvPr>
+          <p:cNvSpPr>
+            <a:spLocks noGrp="1"/>
+          </p:cNvSpPr>
+          <p:nvPr>
+            <p:ph type="title"/>
+          </p:nvPr>
+        </p:nvSpPr>
+        <p:spPr>
+          <a:xfrm>
+            <a:off x="838200" y="152873"/>
+            <a:ext cx="10515600" cy="1325563"/>
+          </a:xfrm>
+        </p:spPr>
+        <p:txBody>
+          <a:bodyPr/>
+          <a:lstStyle/>
+          <a:p>
+            <a:r>
+              <a:rPr lang="en-US" altLang="zh-CN" dirty="0"/>
+              <a:t>3/10 </a:t>
+            </a:r>
+            <a:r>
+              <a:rPr lang="en-US" altLang="zh-CN" dirty="0" err="1"/>
+              <a:t>TeV</a:t>
+            </a:r>
+            <a:r>
+              <a:rPr lang="en-US" altLang="zh-CN" dirty="0"/>
+              <a:t> muon collider</a:t>
+            </a:r>
+            <a:endParaRPr lang="zh-CN" altLang="en-US" dirty="0"/>
+          </a:p>
+        </p:txBody>
+      </p:sp>
+      <p:graphicFrame>
+        <p:nvGraphicFramePr>
+          <p:cNvPr id="5" name="表格 5">
+            <a:extLst>
+              <a:ext uri="{FF2B5EF4-FFF2-40B4-BE49-F238E27FC236}">
+                <a16:creationId xmlns:a16="http://schemas.microsoft.com/office/drawing/2014/main" id="{DAAE6211-3985-44BC-B04A-54E42430AC6D}"/>
+              </a:ext>
+            </a:extLst>
+          </p:cNvPr>
+          <p:cNvGraphicFramePr>
+            <a:graphicFrameLocks noGrp="1"/>
+          </p:cNvGraphicFramePr>
+          <p:nvPr>
+            <p:extLst>
+              <p:ext uri="{D42A27DB-BD31-4B8C-83A1-F6EECF244321}">
+                <p14:modId xmlns:p14="http://schemas.microsoft.com/office/powerpoint/2010/main" val="1319280757"/>
+              </p:ext>
+            </p:extLst>
+          </p:nvPr>
+        </p:nvGraphicFramePr>
+        <p:xfrm>
+          <a:off x="5854044" y="1583703"/>
+          <a:ext cx="2036189" cy="3249344"/>
+        </p:xfrm>
+        <a:graphic>
+          <a:graphicData uri="http://schemas.openxmlformats.org/drawingml/2006/table">
+            <a:tbl>
+              <a:tblPr firstRow="1" bandRow="1">
+                <a:tableStyleId>{5C22544A-7EE6-4342-B048-85BDC9FD1C3A}</a:tableStyleId>
+              </a:tblPr>
+              <a:tblGrid>
+                <a:gridCol w="2036189">
+                  <a:extLst>
+                    <a:ext uri="{9D8B030D-6E8A-4147-A177-3AD203B41FA5}">
+                      <a16:colId xmlns:a16="http://schemas.microsoft.com/office/drawing/2014/main" val="4230389741"/>
+                    </a:ext>
+                  </a:extLst>
+                </a:gridCol>
+              </a:tblGrid>
+              <a:tr h="406168">
+                <a:tc>
+                  <a:txBody>
+                    <a:bodyPr/>
+                    <a:lstStyle/>
+                    <a:p>
+                      <a:pPr algn="ctr"/>
+                      <a:r>
+                        <a:rPr lang="en-US" altLang="zh-CN" dirty="0" err="1">
+                          <a:latin typeface="Times New Roman" panose="02020603050405020304" pitchFamily="18" charset="0"/>
+                          <a:cs typeface="Times New Roman" panose="02020603050405020304" pitchFamily="18" charset="0"/>
+                        </a:rPr>
+                        <a:t>Xs</a:t>
+                      </a:r>
+                      <a:r>
+                        <a:rPr lang="en-US" altLang="zh-CN" dirty="0">
+                          <a:latin typeface="Times New Roman" panose="02020603050405020304" pitchFamily="18" charset="0"/>
+                          <a:cs typeface="Times New Roman" panose="02020603050405020304" pitchFamily="18" charset="0"/>
+                        </a:rPr>
+                        <a:t> (pb) @3 </a:t>
+                      </a:r>
+                      <a:r>
+                        <a:rPr lang="en-US" altLang="zh-CN" dirty="0" err="1">
+                          <a:latin typeface="Times New Roman" panose="02020603050405020304" pitchFamily="18" charset="0"/>
+                          <a:cs typeface="Times New Roman" panose="02020603050405020304" pitchFamily="18" charset="0"/>
+                        </a:rPr>
+                        <a:t>TeV</a:t>
+                      </a:r>
+                      <a:endParaRPr lang="zh-CN" altLang="en-US" dirty="0">
+                        <a:latin typeface="Times New Roman" panose="02020603050405020304" pitchFamily="18" charset="0"/>
+                        <a:cs typeface="Times New Roman" panose="02020603050405020304" pitchFamily="18" charset="0"/>
+                      </a:endParaRPr>
+                    </a:p>
+                  </a:txBody>
+                  <a:tcPr/>
+                </a:tc>
+                <a:extLst>
+                  <a:ext uri="{0D108BD9-81ED-4DB2-BD59-A6C34878D82A}">
+                    <a16:rowId xmlns:a16="http://schemas.microsoft.com/office/drawing/2014/main" val="1748970281"/>
+                  </a:ext>
+                </a:extLst>
+              </a:tr>
+              <a:tr h="406168">
+                <a:tc>
+                  <a:txBody>
+                    <a:bodyPr/>
+                    <a:lstStyle/>
+                    <a:p>
+                      <a:pPr algn="ctr"/>
+                      <a:r>
+                        <a:rPr lang="en-US" altLang="zh-CN" dirty="0">
+                          <a:latin typeface="Times New Roman" panose="02020603050405020304" pitchFamily="18" charset="0"/>
+                          <a:cs typeface="Times New Roman" panose="02020603050405020304" pitchFamily="18" charset="0"/>
+                        </a:rPr>
+                        <a:t>0.05</a:t>
+                      </a:r>
+                      <a:endParaRPr lang="zh-CN" altLang="en-US" dirty="0">
+                        <a:latin typeface="Times New Roman" panose="02020603050405020304" pitchFamily="18" charset="0"/>
+                        <a:cs typeface="Times New Roman" panose="02020603050405020304" pitchFamily="18" charset="0"/>
+                      </a:endParaRPr>
+                    </a:p>
+                  </a:txBody>
+                  <a:tcPr/>
+                </a:tc>
+                <a:extLst>
+                  <a:ext uri="{0D108BD9-81ED-4DB2-BD59-A6C34878D82A}">
+                    <a16:rowId xmlns:a16="http://schemas.microsoft.com/office/drawing/2014/main" val="3789062348"/>
+                  </a:ext>
+                </a:extLst>
+              </a:tr>
+              <a:tr h="406168">
+                <a:tc>
+                  <a:txBody>
+                    <a:bodyPr/>
+                    <a:lstStyle/>
+                    <a:p>
+                      <a:pPr algn="ctr"/>
+                      <a:r>
+                        <a:rPr lang="en-US" altLang="zh-CN" dirty="0">
+                          <a:latin typeface="Times New Roman" panose="02020603050405020304" pitchFamily="18" charset="0"/>
+                          <a:cs typeface="Times New Roman" panose="02020603050405020304" pitchFamily="18" charset="0"/>
+                        </a:rPr>
+                        <a:t>1.12*10^4</a:t>
+                      </a:r>
+                      <a:endParaRPr lang="zh-CN" altLang="en-US" dirty="0">
+                        <a:latin typeface="Times New Roman" panose="02020603050405020304" pitchFamily="18" charset="0"/>
+                        <a:cs typeface="Times New Roman" panose="02020603050405020304" pitchFamily="18" charset="0"/>
+                      </a:endParaRPr>
+                    </a:p>
+                  </a:txBody>
+                  <a:tcPr/>
+                </a:tc>
+                <a:extLst>
+                  <a:ext uri="{0D108BD9-81ED-4DB2-BD59-A6C34878D82A}">
+                    <a16:rowId xmlns:a16="http://schemas.microsoft.com/office/drawing/2014/main" val="3914667412"/>
+                  </a:ext>
+                </a:extLst>
+              </a:tr>
+              <a:tr h="406168">
+                <a:tc>
+                  <a:txBody>
+                    <a:bodyPr/>
+                    <a:lstStyle/>
+                    <a:p>
+                      <a:pPr algn="ctr"/>
+                      <a:r>
+                        <a:rPr lang="en-US" altLang="zh-CN" dirty="0">
+                          <a:latin typeface="Times New Roman" panose="02020603050405020304" pitchFamily="18" charset="0"/>
+                          <a:cs typeface="Times New Roman" panose="02020603050405020304" pitchFamily="18" charset="0"/>
+                        </a:rPr>
+                        <a:t>753</a:t>
+                      </a:r>
+                      <a:endParaRPr lang="zh-CN" altLang="en-US" dirty="0">
+                        <a:latin typeface="Times New Roman" panose="02020603050405020304" pitchFamily="18" charset="0"/>
+                        <a:cs typeface="Times New Roman" panose="02020603050405020304" pitchFamily="18" charset="0"/>
+                      </a:endParaRPr>
+                    </a:p>
+                  </a:txBody>
+                  <a:tcPr/>
+                </a:tc>
+                <a:extLst>
+                  <a:ext uri="{0D108BD9-81ED-4DB2-BD59-A6C34878D82A}">
+                    <a16:rowId xmlns:a16="http://schemas.microsoft.com/office/drawing/2014/main" val="1086050850"/>
+                  </a:ext>
+                </a:extLst>
+              </a:tr>
+              <a:tr h="406168">
+                <a:tc>
+                  <a:txBody>
+                    <a:bodyPr/>
+                    <a:lstStyle/>
+                    <a:p>
+                      <a:pPr algn="ctr"/>
+                      <a:r>
+                        <a:rPr lang="en-US" altLang="zh-CN" dirty="0">
+                          <a:latin typeface="Times New Roman" panose="02020603050405020304" pitchFamily="18" charset="0"/>
+                          <a:cs typeface="Times New Roman" panose="02020603050405020304" pitchFamily="18" charset="0"/>
+                        </a:rPr>
+                        <a:t>2.7</a:t>
+                      </a:r>
+                      <a:endParaRPr lang="zh-CN" altLang="en-US" dirty="0">
+                        <a:latin typeface="Times New Roman" panose="02020603050405020304" pitchFamily="18" charset="0"/>
+                        <a:cs typeface="Times New Roman" panose="02020603050405020304" pitchFamily="18" charset="0"/>
+                      </a:endParaRPr>
+                    </a:p>
+                  </a:txBody>
+                  <a:tcPr/>
+                </a:tc>
+                <a:extLst>
+                  <a:ext uri="{0D108BD9-81ED-4DB2-BD59-A6C34878D82A}">
+                    <a16:rowId xmlns:a16="http://schemas.microsoft.com/office/drawing/2014/main" val="4283275691"/>
+                  </a:ext>
+                </a:extLst>
+              </a:tr>
+              <a:tr h="406168">
+                <a:tc>
+                  <a:txBody>
+                    <a:bodyPr/>
+                    <a:lstStyle/>
+                    <a:p>
+                      <a:pPr algn="ctr"/>
+                      <a:r>
+                        <a:rPr lang="en-US" altLang="zh-CN" dirty="0">
+                          <a:latin typeface="Times New Roman" panose="02020603050405020304" pitchFamily="18" charset="0"/>
+                          <a:cs typeface="Times New Roman" panose="02020603050405020304" pitchFamily="18" charset="0"/>
+                        </a:rPr>
+                        <a:t>1.5</a:t>
+                      </a:r>
+                      <a:endParaRPr lang="zh-CN" altLang="en-US" dirty="0">
+                        <a:latin typeface="Times New Roman" panose="02020603050405020304" pitchFamily="18" charset="0"/>
+                        <a:cs typeface="Times New Roman" panose="02020603050405020304" pitchFamily="18" charset="0"/>
+                      </a:endParaRPr>
+                    </a:p>
+                  </a:txBody>
+                  <a:tcPr/>
+                </a:tc>
+                <a:extLst>
+                  <a:ext uri="{0D108BD9-81ED-4DB2-BD59-A6C34878D82A}">
+                    <a16:rowId xmlns:a16="http://schemas.microsoft.com/office/drawing/2014/main" val="2197891042"/>
+                  </a:ext>
+                </a:extLst>
+              </a:tr>
+              <a:tr h="406168">
+                <a:tc>
+                  <a:txBody>
+                    <a:bodyPr/>
+                    <a:lstStyle/>
+                    <a:p>
+                      <a:pPr algn="ctr"/>
+                      <a:r>
+                        <a:rPr lang="en-US" altLang="zh-CN" dirty="0">
+                          <a:latin typeface="Times New Roman" panose="02020603050405020304" pitchFamily="18" charset="0"/>
+                          <a:cs typeface="Times New Roman" panose="02020603050405020304" pitchFamily="18" charset="0"/>
+                        </a:rPr>
+                        <a:t>1.04</a:t>
+                      </a:r>
+                      <a:endParaRPr lang="zh-CN" altLang="en-US" dirty="0">
+                        <a:latin typeface="Times New Roman" panose="02020603050405020304" pitchFamily="18" charset="0"/>
+                        <a:cs typeface="Times New Roman" panose="02020603050405020304" pitchFamily="18" charset="0"/>
+                      </a:endParaRPr>
+                    </a:p>
+                  </a:txBody>
+                  <a:tcPr/>
+                </a:tc>
+                <a:extLst>
+                  <a:ext uri="{0D108BD9-81ED-4DB2-BD59-A6C34878D82A}">
+                    <a16:rowId xmlns:a16="http://schemas.microsoft.com/office/drawing/2014/main" val="1489062632"/>
+                  </a:ext>
+                </a:extLst>
+              </a:tr>
+              <a:tr h="406168">
+                <a:tc>
+                  <a:txBody>
+                    <a:bodyPr/>
+                    <a:lstStyle/>
+                    <a:p>
+                      <a:pPr marL="0" algn="ctr" defTabSz="914400" rtl="0" eaLnBrk="1" latinLnBrk="0" hangingPunct="1"/>
+                      <a:r>
+                        <a:rPr lang="en-US" altLang="zh-CN" sz="1800" kern="1200" dirty="0">
+                          <a:solidFill>
+                            <a:schemeClr val="dk1"/>
+                          </a:solidFill>
+                          <a:latin typeface="Times New Roman" panose="02020603050405020304" pitchFamily="18" charset="0"/>
+                          <a:ea typeface="+mn-ea"/>
+                          <a:cs typeface="Times New Roman" panose="02020603050405020304" pitchFamily="18" charset="0"/>
+                        </a:rPr>
+                        <a:t>0.3386</a:t>
+                      </a:r>
+                      <a:endParaRPr lang="zh-CN" altLang="en-US" sz="1800" kern="1200" dirty="0">
+                        <a:solidFill>
+                          <a:schemeClr val="dk1"/>
+                        </a:solidFill>
+                        <a:latin typeface="Times New Roman" panose="02020603050405020304" pitchFamily="18" charset="0"/>
+                        <a:ea typeface="+mn-ea"/>
+                        <a:cs typeface="Times New Roman" panose="02020603050405020304" pitchFamily="18" charset="0"/>
+                      </a:endParaRPr>
+                    </a:p>
+                  </a:txBody>
+                  <a:tcPr/>
+                </a:tc>
+                <a:extLst>
+                  <a:ext uri="{0D108BD9-81ED-4DB2-BD59-A6C34878D82A}">
+                    <a16:rowId xmlns:a16="http://schemas.microsoft.com/office/drawing/2014/main" val="3011733025"/>
+                  </a:ext>
+                </a:extLst>
+              </a:tr>
+            </a:tbl>
+          </a:graphicData>
+        </a:graphic>
+      </p:graphicFrame>
+      <p:pic>
+        <p:nvPicPr>
+          <p:cNvPr id="6" name="图片 5" descr="表格&#10;&#10;描述已自动生成">
+            <a:extLst>
+              <a:ext uri="{FF2B5EF4-FFF2-40B4-BE49-F238E27FC236}">
+                <a16:creationId xmlns:a16="http://schemas.microsoft.com/office/drawing/2014/main" id="{3A46EE9E-673F-405B-8467-5E76E25AAF49}"/>
+              </a:ext>
+            </a:extLst>
+          </p:cNvPr>
+          <p:cNvPicPr>
+            <a:picLocks noChangeAspect="1"/>
+          </p:cNvPicPr>
+          <p:nvPr/>
+        </p:nvPicPr>
+        <p:blipFill>
+          <a:blip r:embed="rId2">
+            <a:extLst>
+              <a:ext uri="{28A0092B-C50C-407E-A947-70E740481C1C}">
+                <a14:useLocalDpi xmlns:a14="http://schemas.microsoft.com/office/drawing/2010/main" val="0"/>
+              </a:ext>
+            </a:extLst>
+          </a:blip>
+          <a:stretch>
+            <a:fillRect/>
+          </a:stretch>
+        </p:blipFill>
+        <p:spPr>
+          <a:xfrm>
+            <a:off x="684878" y="1478436"/>
+            <a:ext cx="5039029" cy="3451782"/>
+          </a:xfrm>
+          <a:prstGeom prst="rect">
+            <a:avLst/>
+          </a:prstGeom>
+        </p:spPr>
+      </p:pic>
+      <p:sp>
+        <p:nvSpPr>
+          <p:cNvPr id="11" name="文本框 10">
+            <a:extLst>
+              <a:ext uri="{FF2B5EF4-FFF2-40B4-BE49-F238E27FC236}">
+                <a16:creationId xmlns:a16="http://schemas.microsoft.com/office/drawing/2014/main" id="{C8138CB0-ECA8-4851-AD35-63E95E1F90A1}"/>
+              </a:ext>
+            </a:extLst>
+          </p:cNvPr>
+          <p:cNvSpPr txBox="1"/>
+          <p:nvPr/>
+        </p:nvSpPr>
+        <p:spPr>
+          <a:xfrm>
+            <a:off x="9426804" y="2437557"/>
+            <a:ext cx="1640264" cy="369332"/>
+          </a:xfrm>
+          <a:prstGeom prst="rect">
+            <a:avLst/>
+          </a:prstGeom>
+          <a:noFill/>
+        </p:spPr>
+        <p:txBody>
+          <a:bodyPr wrap="square" rtlCol="0">
+            <a:spAutoFit/>
+          </a:bodyPr>
+          <a:lstStyle/>
+          <a:p>
+            <a:r>
+              <a:rPr lang="en-US" altLang="zh-CN" dirty="0">
+                <a:solidFill>
+                  <a:srgbClr val="FF0000"/>
+                </a:solidFill>
+              </a:rPr>
+              <a:t>same</a:t>
+            </a:r>
+            <a:endParaRPr lang="zh-CN" altLang="en-US" dirty="0">
+              <a:solidFill>
+                <a:srgbClr val="FF0000"/>
+              </a:solidFill>
+            </a:endParaRPr>
+          </a:p>
+        </p:txBody>
+      </p:sp>
+      <mc:AlternateContent xmlns:mc="http://schemas.openxmlformats.org/markup-compatibility/2006">
+        <mc:Choice xmlns:a14="http://schemas.microsoft.com/office/drawing/2010/main" Requires="a14">
+          <p:sp>
+            <p:nvSpPr>
+              <p:cNvPr id="12" name="文本框 11">
+                <a:extLst>
+                  <a:ext uri="{FF2B5EF4-FFF2-40B4-BE49-F238E27FC236}">
+                    <a16:creationId xmlns:a16="http://schemas.microsoft.com/office/drawing/2014/main" id="{F9B5BC33-39FD-4BE4-8ECA-C7E700C101FF}"/>
+                  </a:ext>
+                </a:extLst>
+              </p:cNvPr>
+              <p:cNvSpPr txBox="1"/>
+              <p:nvPr/>
+            </p:nvSpPr>
+            <p:spPr>
+              <a:xfrm>
+                <a:off x="4797458" y="5256911"/>
+                <a:ext cx="7089742" cy="1133131"/>
+              </a:xfrm>
+              <a:prstGeom prst="rect">
+                <a:avLst/>
+              </a:prstGeom>
+              <a:noFill/>
+            </p:spPr>
+            <p:txBody>
+              <a:bodyPr wrap="square" rtlCol="0">
+                <a:spAutoFit/>
+              </a:bodyPr>
+              <a:lstStyle/>
+              <a:p>
+                <a14:m>
+                  <m:oMathPara xmlns:m="http://schemas.openxmlformats.org/officeDocument/2006/math">
+                    <m:oMathParaPr>
+                      <m:jc m:val="centerGroup"/>
+                    </m:oMathParaPr>
+                    <m:oMath xmlns:m="http://schemas.openxmlformats.org/officeDocument/2006/math">
+                      <m:r>
+                        <a:rPr lang="en-US" altLang="zh-CN" b="0" i="1" smtClean="0">
+                          <a:solidFill>
+                            <a:srgbClr val="FF0000"/>
+                          </a:solidFill>
+                          <a:latin typeface="Cambria Math" panose="02040503050406030204" pitchFamily="18" charset="0"/>
+                        </a:rPr>
+                        <m:t>𝜎</m:t>
+                      </m:r>
+                      <m:r>
+                        <a:rPr lang="en-US" altLang="zh-CN" b="0" i="1" smtClean="0">
+                          <a:solidFill>
+                            <a:srgbClr val="FF0000"/>
+                          </a:solidFill>
+                          <a:latin typeface="Cambria Math" panose="02040503050406030204" pitchFamily="18" charset="0"/>
+                        </a:rPr>
+                        <m:t>=</m:t>
+                      </m:r>
+                      <m:nary>
+                        <m:naryPr>
+                          <m:limLoc m:val="undOvr"/>
+                          <m:ctrlPr>
+                            <a:rPr lang="en-US" altLang="zh-CN" b="0" i="1" smtClean="0">
+                              <a:solidFill>
+                                <a:srgbClr val="FF0000"/>
+                              </a:solidFill>
+                              <a:latin typeface="Cambria Math" panose="02040503050406030204" pitchFamily="18" charset="0"/>
+                            </a:rPr>
+                          </m:ctrlPr>
+                        </m:naryPr>
+                        <m:sub>
+                          <m:f>
+                            <m:fPr>
+                              <m:ctrlPr>
+                                <a:rPr lang="en-US" altLang="zh-CN" b="0" i="1" smtClean="0">
+                                  <a:solidFill>
+                                    <a:srgbClr val="FF0000"/>
+                                  </a:solidFill>
+                                  <a:latin typeface="Cambria Math" panose="02040503050406030204" pitchFamily="18" charset="0"/>
+                                </a:rPr>
+                              </m:ctrlPr>
+                            </m:fPr>
+                            <m:num>
+                              <m:r>
+                                <m:rPr>
+                                  <m:brk m:alnAt="24"/>
+                                </m:rPr>
+                                <a:rPr lang="en-US" altLang="zh-CN" b="0" i="1" smtClean="0">
+                                  <a:solidFill>
+                                    <a:srgbClr val="FF0000"/>
+                                  </a:solidFill>
+                                  <a:latin typeface="Cambria Math" panose="02040503050406030204" pitchFamily="18" charset="0"/>
+                                </a:rPr>
+                                <m:t>5</m:t>
+                              </m:r>
+                            </m:num>
+                            <m:den>
+                              <m:rad>
+                                <m:radPr>
+                                  <m:degHide m:val="on"/>
+                                  <m:ctrlPr>
+                                    <a:rPr lang="en-US" altLang="zh-CN" b="0" i="1" smtClean="0">
+                                      <a:solidFill>
+                                        <a:srgbClr val="FF0000"/>
+                                      </a:solidFill>
+                                      <a:latin typeface="Cambria Math" panose="02040503050406030204" pitchFamily="18" charset="0"/>
+                                    </a:rPr>
+                                  </m:ctrlPr>
+                                </m:radPr>
+                                <m:deg/>
+                                <m:e>
+                                  <m:r>
+                                    <a:rPr lang="en-US" altLang="zh-CN" b="0" i="1" smtClean="0">
+                                      <a:solidFill>
+                                        <a:srgbClr val="FF0000"/>
+                                      </a:solidFill>
+                                      <a:latin typeface="Cambria Math" panose="02040503050406030204" pitchFamily="18" charset="0"/>
+                                    </a:rPr>
+                                    <m:t>𝑠</m:t>
+                                  </m:r>
+                                </m:e>
+                              </m:rad>
+                              <m:r>
+                                <a:rPr lang="en-US" altLang="zh-CN" b="0" i="1" smtClean="0">
+                                  <a:solidFill>
+                                    <a:srgbClr val="FF0000"/>
+                                  </a:solidFill>
+                                  <a:latin typeface="Cambria Math" panose="02040503050406030204" pitchFamily="18" charset="0"/>
+                                </a:rPr>
+                                <m:t>/2</m:t>
+                              </m:r>
+                            </m:den>
+                          </m:f>
+                        </m:sub>
+                        <m:sup>
+                          <m:r>
+                            <a:rPr lang="en-US" altLang="zh-CN" b="0" i="1" smtClean="0">
+                              <a:solidFill>
+                                <a:srgbClr val="FF0000"/>
+                              </a:solidFill>
+                              <a:latin typeface="Cambria Math" panose="02040503050406030204" pitchFamily="18" charset="0"/>
+                            </a:rPr>
+                            <m:t>𝜋</m:t>
+                          </m:r>
+                        </m:sup>
+                        <m:e>
+                          <m:f>
+                            <m:fPr>
+                              <m:ctrlPr>
+                                <a:rPr lang="en-US" altLang="zh-CN" b="0" i="1" smtClean="0">
+                                  <a:solidFill>
+                                    <a:srgbClr val="FF0000"/>
+                                  </a:solidFill>
+                                  <a:latin typeface="Cambria Math" panose="02040503050406030204" pitchFamily="18" charset="0"/>
+                                </a:rPr>
+                              </m:ctrlPr>
+                            </m:fPr>
+                            <m:num>
+                              <m:r>
+                                <a:rPr lang="en-US" altLang="zh-CN" b="0" i="1" smtClean="0">
+                                  <a:solidFill>
+                                    <a:srgbClr val="FF0000"/>
+                                  </a:solidFill>
+                                  <a:latin typeface="Cambria Math" panose="02040503050406030204" pitchFamily="18" charset="0"/>
+                                </a:rPr>
+                                <m:t>2</m:t>
+                              </m:r>
+                              <m:r>
+                                <a:rPr lang="en-US" altLang="zh-CN" b="0" i="1" smtClean="0">
+                                  <a:solidFill>
+                                    <a:srgbClr val="FF0000"/>
+                                  </a:solidFill>
+                                  <a:latin typeface="Cambria Math" panose="02040503050406030204" pitchFamily="18" charset="0"/>
+                                </a:rPr>
+                                <m:t>𝜋𝛼</m:t>
+                              </m:r>
+                            </m:num>
+                            <m:den>
+                              <m:r>
+                                <a:rPr lang="en-US" altLang="zh-CN" b="0" i="1" smtClean="0">
+                                  <a:solidFill>
+                                    <a:srgbClr val="FF0000"/>
+                                  </a:solidFill>
+                                  <a:latin typeface="Cambria Math" panose="02040503050406030204" pitchFamily="18" charset="0"/>
+                                </a:rPr>
+                                <m:t>2</m:t>
+                              </m:r>
+                              <m:r>
+                                <a:rPr lang="en-US" altLang="zh-CN" b="0" i="1" smtClean="0">
+                                  <a:solidFill>
+                                    <a:srgbClr val="FF0000"/>
+                                  </a:solidFill>
+                                  <a:latin typeface="Cambria Math" panose="02040503050406030204" pitchFamily="18" charset="0"/>
+                                </a:rPr>
+                                <m:t>𝑠</m:t>
+                              </m:r>
+                            </m:den>
+                          </m:f>
+                          <m:sSup>
+                            <m:sSupPr>
+                              <m:ctrlPr>
+                                <a:rPr lang="en-US" altLang="zh-CN" b="0" i="1" smtClean="0">
+                                  <a:solidFill>
+                                    <a:srgbClr val="FF0000"/>
+                                  </a:solidFill>
+                                  <a:latin typeface="Cambria Math" panose="02040503050406030204" pitchFamily="18" charset="0"/>
+                                </a:rPr>
+                              </m:ctrlPr>
+                            </m:sSupPr>
+                            <m:e>
+                              <m:d>
+                                <m:dPr>
+                                  <m:ctrlPr>
+                                    <a:rPr lang="en-US" altLang="zh-CN" b="0" i="1" smtClean="0">
+                                      <a:solidFill>
+                                        <a:srgbClr val="FF0000"/>
+                                      </a:solidFill>
+                                      <a:latin typeface="Cambria Math" panose="02040503050406030204" pitchFamily="18" charset="0"/>
+                                    </a:rPr>
+                                  </m:ctrlPr>
+                                </m:dPr>
+                                <m:e>
+                                  <m:f>
+                                    <m:fPr>
+                                      <m:ctrlPr>
+                                        <a:rPr lang="en-US" altLang="zh-CN" b="0" i="1" smtClean="0">
+                                          <a:solidFill>
+                                            <a:srgbClr val="FF0000"/>
+                                          </a:solidFill>
+                                          <a:latin typeface="Cambria Math" panose="02040503050406030204" pitchFamily="18" charset="0"/>
+                                        </a:rPr>
+                                      </m:ctrlPr>
+                                    </m:fPr>
+                                    <m:num>
+                                      <m:r>
+                                        <a:rPr lang="en-US" altLang="zh-CN" b="0" i="1" smtClean="0">
+                                          <a:solidFill>
+                                            <a:srgbClr val="FF0000"/>
+                                          </a:solidFill>
+                                          <a:latin typeface="Cambria Math" panose="02040503050406030204" pitchFamily="18" charset="0"/>
+                                        </a:rPr>
+                                        <m:t>3+</m:t>
+                                      </m:r>
+                                      <m:func>
+                                        <m:funcPr>
+                                          <m:ctrlPr>
+                                            <a:rPr lang="en-US" altLang="zh-CN" b="0" i="1" smtClean="0">
+                                              <a:solidFill>
+                                                <a:srgbClr val="FF0000"/>
+                                              </a:solidFill>
+                                              <a:latin typeface="Cambria Math" panose="02040503050406030204" pitchFamily="18" charset="0"/>
+                                            </a:rPr>
+                                          </m:ctrlPr>
+                                        </m:funcPr>
+                                        <m:fName>
+                                          <m:sSup>
+                                            <m:sSupPr>
+                                              <m:ctrlPr>
+                                                <a:rPr lang="en-US" altLang="zh-CN" b="0" i="1" smtClean="0">
+                                                  <a:solidFill>
+                                                    <a:srgbClr val="FF0000"/>
+                                                  </a:solidFill>
+                                                  <a:latin typeface="Cambria Math" panose="02040503050406030204" pitchFamily="18" charset="0"/>
+                                                </a:rPr>
+                                              </m:ctrlPr>
+                                            </m:sSupPr>
+                                            <m:e>
+                                              <m:r>
+                                                <m:rPr>
+                                                  <m:sty m:val="p"/>
+                                                </m:rPr>
+                                                <a:rPr lang="en-US" altLang="zh-CN" b="0" i="0" smtClean="0">
+                                                  <a:solidFill>
+                                                    <a:srgbClr val="FF0000"/>
+                                                  </a:solidFill>
+                                                  <a:latin typeface="Cambria Math" panose="02040503050406030204" pitchFamily="18" charset="0"/>
+                                                </a:rPr>
+                                                <m:t>cos</m:t>
+                                              </m:r>
+                                            </m:e>
+                                            <m:sup>
+                                              <m:r>
+                                                <a:rPr lang="en-US" altLang="zh-CN" b="0" i="1" smtClean="0">
+                                                  <a:solidFill>
+                                                    <a:srgbClr val="FF0000"/>
+                                                  </a:solidFill>
+                                                  <a:latin typeface="Cambria Math" panose="02040503050406030204" pitchFamily="18" charset="0"/>
+                                                </a:rPr>
+                                                <m:t>2</m:t>
+                                              </m:r>
+                                            </m:sup>
+                                          </m:sSup>
+                                        </m:fName>
+                                        <m:e>
+                                          <m:r>
+                                            <a:rPr lang="en-US" altLang="zh-CN" b="0" i="1" smtClean="0">
+                                              <a:solidFill>
+                                                <a:srgbClr val="FF0000"/>
+                                              </a:solidFill>
+                                              <a:latin typeface="Cambria Math" panose="02040503050406030204" pitchFamily="18" charset="0"/>
+                                            </a:rPr>
+                                            <m:t>𝜃</m:t>
+                                          </m:r>
+                                        </m:e>
+                                      </m:func>
+                                    </m:num>
+                                    <m:den>
+                                      <m:r>
+                                        <a:rPr lang="en-US" altLang="zh-CN" b="0" i="1" smtClean="0">
+                                          <a:solidFill>
+                                            <a:srgbClr val="FF0000"/>
+                                          </a:solidFill>
+                                          <a:latin typeface="Cambria Math" panose="02040503050406030204" pitchFamily="18" charset="0"/>
+                                        </a:rPr>
+                                        <m:t>1−</m:t>
+                                      </m:r>
+                                      <m:func>
+                                        <m:funcPr>
+                                          <m:ctrlPr>
+                                            <a:rPr lang="en-US" altLang="zh-CN" b="0" i="1" smtClean="0">
+                                              <a:solidFill>
+                                                <a:srgbClr val="FF0000"/>
+                                              </a:solidFill>
+                                              <a:latin typeface="Cambria Math" panose="02040503050406030204" pitchFamily="18" charset="0"/>
+                                            </a:rPr>
+                                          </m:ctrlPr>
+                                        </m:funcPr>
+                                        <m:fName>
+                                          <m:r>
+                                            <m:rPr>
+                                              <m:sty m:val="p"/>
+                                            </m:rPr>
+                                            <a:rPr lang="en-US" altLang="zh-CN" b="0" i="0" smtClean="0">
+                                              <a:solidFill>
+                                                <a:srgbClr val="FF0000"/>
+                                              </a:solidFill>
+                                              <a:latin typeface="Cambria Math" panose="02040503050406030204" pitchFamily="18" charset="0"/>
+                                            </a:rPr>
+                                            <m:t>cos</m:t>
+                                          </m:r>
+                                        </m:fName>
+                                        <m:e>
+                                          <m:r>
+                                            <a:rPr lang="en-US" altLang="zh-CN" b="0" i="1" smtClean="0">
+                                              <a:solidFill>
+                                                <a:srgbClr val="FF0000"/>
+                                              </a:solidFill>
+                                              <a:latin typeface="Cambria Math" panose="02040503050406030204" pitchFamily="18" charset="0"/>
+                                            </a:rPr>
+                                            <m:t>𝜃</m:t>
+                                          </m:r>
+                                        </m:e>
+                                      </m:func>
+                                    </m:den>
+                                  </m:f>
+                                </m:e>
+                              </m:d>
+                            </m:e>
+                            <m:sup>
+                              <m:r>
+                                <a:rPr lang="en-US" altLang="zh-CN" b="0" i="1" smtClean="0">
+                                  <a:solidFill>
+                                    <a:srgbClr val="FF0000"/>
+                                  </a:solidFill>
+                                  <a:latin typeface="Cambria Math" panose="02040503050406030204" pitchFamily="18" charset="0"/>
+                                </a:rPr>
+                                <m:t>2</m:t>
+                              </m:r>
+                            </m:sup>
+                          </m:sSup>
+                          <m:func>
+                            <m:funcPr>
+                              <m:ctrlPr>
+                                <a:rPr lang="en-US" altLang="zh-CN" b="0" i="1" smtClean="0">
+                                  <a:solidFill>
+                                    <a:srgbClr val="FF0000"/>
+                                  </a:solidFill>
+                                  <a:latin typeface="Cambria Math" panose="02040503050406030204" pitchFamily="18" charset="0"/>
+                                </a:rPr>
+                              </m:ctrlPr>
+                            </m:funcPr>
+                            <m:fName>
+                              <m:r>
+                                <m:rPr>
+                                  <m:sty m:val="p"/>
+                                </m:rPr>
+                                <a:rPr lang="en-US" altLang="zh-CN" b="0" i="0" smtClean="0">
+                                  <a:solidFill>
+                                    <a:srgbClr val="FF0000"/>
+                                  </a:solidFill>
+                                  <a:latin typeface="Cambria Math" panose="02040503050406030204" pitchFamily="18" charset="0"/>
+                                </a:rPr>
+                                <m:t>sin</m:t>
+                              </m:r>
+                            </m:fName>
+                            <m:e>
+                              <m:r>
+                                <a:rPr lang="en-US" altLang="zh-CN" b="0" i="1" smtClean="0">
+                                  <a:solidFill>
+                                    <a:srgbClr val="FF0000"/>
+                                  </a:solidFill>
+                                  <a:latin typeface="Cambria Math" panose="02040503050406030204" pitchFamily="18" charset="0"/>
+                                </a:rPr>
+                                <m:t>𝜃</m:t>
+                              </m:r>
+                            </m:e>
+                          </m:func>
+                          <m:r>
+                            <a:rPr lang="en-US" altLang="zh-CN" b="0" i="1" smtClean="0">
+                              <a:solidFill>
+                                <a:srgbClr val="FF0000"/>
+                              </a:solidFill>
+                              <a:latin typeface="Cambria Math" panose="02040503050406030204" pitchFamily="18" charset="0"/>
+                            </a:rPr>
+                            <m:t>𝑑</m:t>
+                          </m:r>
+                          <m:r>
+                            <a:rPr lang="en-US" altLang="zh-CN" b="0" i="1" smtClean="0">
+                              <a:solidFill>
+                                <a:srgbClr val="FF0000"/>
+                              </a:solidFill>
+                              <a:latin typeface="Cambria Math" panose="02040503050406030204" pitchFamily="18" charset="0"/>
+                            </a:rPr>
+                            <m:t>𝜃</m:t>
+                          </m:r>
+                          <m:r>
+                            <a:rPr lang="en-US" altLang="zh-CN" b="0" i="1" smtClean="0">
+                              <a:solidFill>
+                                <a:srgbClr val="FF0000"/>
+                              </a:solidFill>
+                              <a:latin typeface="Cambria Math" panose="02040503050406030204" pitchFamily="18" charset="0"/>
+                            </a:rPr>
+                            <m:t>=</m:t>
+                          </m:r>
+                          <m:sSub>
+                            <m:sSubPr>
+                              <m:ctrlPr>
+                                <a:rPr lang="en-US" altLang="zh-CN" b="0" i="1" smtClean="0">
+                                  <a:solidFill>
+                                    <a:srgbClr val="FF0000"/>
+                                  </a:solidFill>
+                                  <a:latin typeface="Cambria Math" panose="02040503050406030204" pitchFamily="18" charset="0"/>
+                                </a:rPr>
+                              </m:ctrlPr>
+                            </m:sSubPr>
+                            <m:e>
+                              <m:r>
+                                <a:rPr lang="en-US" altLang="zh-CN" b="0" i="1" smtClean="0">
+                                  <a:solidFill>
+                                    <a:srgbClr val="FF0000"/>
+                                  </a:solidFill>
+                                  <a:latin typeface="Cambria Math" panose="02040503050406030204" pitchFamily="18" charset="0"/>
+                                </a:rPr>
+                                <m:t>𝐶</m:t>
+                              </m:r>
+                            </m:e>
+                            <m:sub>
+                              <m:r>
+                                <a:rPr lang="en-US" altLang="zh-CN" b="0" i="1" smtClean="0">
+                                  <a:solidFill>
+                                    <a:srgbClr val="FF0000"/>
+                                  </a:solidFill>
+                                  <a:latin typeface="Cambria Math" panose="02040503050406030204" pitchFamily="18" charset="0"/>
+                                </a:rPr>
+                                <m:t>0</m:t>
+                              </m:r>
+                            </m:sub>
+                          </m:sSub>
+                          <m:r>
+                            <a:rPr lang="en-US" altLang="zh-CN" b="0" i="1" smtClean="0">
+                              <a:solidFill>
+                                <a:srgbClr val="FF0000"/>
+                              </a:solidFill>
+                              <a:latin typeface="Cambria Math" panose="02040503050406030204" pitchFamily="18" charset="0"/>
+                            </a:rPr>
+                            <m:t>+</m:t>
+                          </m:r>
+                          <m:f>
+                            <m:fPr>
+                              <m:ctrlPr>
+                                <a:rPr lang="en-US" altLang="zh-CN" b="0" i="1" smtClean="0">
+                                  <a:solidFill>
+                                    <a:srgbClr val="FF0000"/>
+                                  </a:solidFill>
+                                  <a:latin typeface="Cambria Math" panose="02040503050406030204" pitchFamily="18" charset="0"/>
+                                </a:rPr>
+                              </m:ctrlPr>
+                            </m:fPr>
+                            <m:num>
+                              <m:func>
+                                <m:funcPr>
+                                  <m:ctrlPr>
+                                    <a:rPr lang="en-US" altLang="zh-CN" b="0" i="1" smtClean="0">
+                                      <a:solidFill>
+                                        <a:srgbClr val="FF0000"/>
+                                      </a:solidFill>
+                                      <a:latin typeface="Cambria Math" panose="02040503050406030204" pitchFamily="18" charset="0"/>
+                                    </a:rPr>
+                                  </m:ctrlPr>
+                                </m:funcPr>
+                                <m:fName>
+                                  <m:r>
+                                    <m:rPr>
+                                      <m:sty m:val="p"/>
+                                    </m:rPr>
+                                    <a:rPr lang="en-US" altLang="zh-CN" b="0" i="0" smtClean="0">
+                                      <a:solidFill>
+                                        <a:srgbClr val="FF0000"/>
+                                      </a:solidFill>
+                                      <a:latin typeface="Cambria Math" panose="02040503050406030204" pitchFamily="18" charset="0"/>
+                                    </a:rPr>
+                                    <m:t>ln</m:t>
+                                  </m:r>
+                                </m:fName>
+                                <m:e>
+                                  <m:r>
+                                    <a:rPr lang="en-US" altLang="zh-CN" b="0" i="1" smtClean="0">
+                                      <a:solidFill>
+                                        <a:srgbClr val="FF0000"/>
+                                      </a:solidFill>
+                                      <a:latin typeface="Cambria Math" panose="02040503050406030204" pitchFamily="18" charset="0"/>
+                                    </a:rPr>
+                                    <m:t>𝑠</m:t>
+                                  </m:r>
+                                </m:e>
+                              </m:func>
+                            </m:num>
+                            <m:den>
+                              <m:r>
+                                <a:rPr lang="en-US" altLang="zh-CN" b="0" i="1" smtClean="0">
+                                  <a:solidFill>
+                                    <a:srgbClr val="FF0000"/>
+                                  </a:solidFill>
+                                  <a:latin typeface="Cambria Math" panose="02040503050406030204" pitchFamily="18" charset="0"/>
+                                </a:rPr>
+                                <m:t>𝑠</m:t>
+                              </m:r>
+                            </m:den>
+                          </m:f>
+                          <m:r>
+                            <a:rPr lang="en-US" altLang="zh-CN" b="0" i="1" smtClean="0">
+                              <a:solidFill>
+                                <a:srgbClr val="FF0000"/>
+                              </a:solidFill>
+                              <a:latin typeface="Cambria Math" panose="02040503050406030204" pitchFamily="18" charset="0"/>
+                            </a:rPr>
+                            <m:t>+</m:t>
+                          </m:r>
+                          <m:f>
+                            <m:fPr>
+                              <m:ctrlPr>
+                                <a:rPr lang="en-US" altLang="zh-CN" b="0" i="1" smtClean="0">
+                                  <a:solidFill>
+                                    <a:srgbClr val="FF0000"/>
+                                  </a:solidFill>
+                                  <a:latin typeface="Cambria Math" panose="02040503050406030204" pitchFamily="18" charset="0"/>
+                                </a:rPr>
+                              </m:ctrlPr>
+                            </m:fPr>
+                            <m:num>
+                              <m:r>
+                                <a:rPr lang="en-US" altLang="zh-CN" b="0" i="1" smtClean="0">
+                                  <a:solidFill>
+                                    <a:srgbClr val="FF0000"/>
+                                  </a:solidFill>
+                                  <a:latin typeface="Cambria Math" panose="02040503050406030204" pitchFamily="18" charset="0"/>
+                                </a:rPr>
+                                <m:t>1</m:t>
+                              </m:r>
+                            </m:num>
+                            <m:den>
+                              <m:r>
+                                <a:rPr lang="en-US" altLang="zh-CN" b="0" i="1" smtClean="0">
+                                  <a:solidFill>
+                                    <a:srgbClr val="FF0000"/>
+                                  </a:solidFill>
+                                  <a:latin typeface="Cambria Math" panose="02040503050406030204" pitchFamily="18" charset="0"/>
+                                </a:rPr>
+                                <m:t>𝑠</m:t>
+                              </m:r>
+                            </m:den>
+                          </m:f>
+                          <m:r>
+                            <a:rPr lang="en-US" altLang="zh-CN" b="0" i="1" smtClean="0">
+                              <a:solidFill>
+                                <a:srgbClr val="FF0000"/>
+                              </a:solidFill>
+                              <a:latin typeface="Cambria Math" panose="02040503050406030204" pitchFamily="18" charset="0"/>
+                            </a:rPr>
+                            <m:t>+</m:t>
+                          </m:r>
+                          <m:f>
+                            <m:fPr>
+                              <m:ctrlPr>
+                                <a:rPr lang="en-US" altLang="zh-CN" b="0" i="1" smtClean="0">
+                                  <a:solidFill>
+                                    <a:srgbClr val="FF0000"/>
+                                  </a:solidFill>
+                                  <a:latin typeface="Cambria Math" panose="02040503050406030204" pitchFamily="18" charset="0"/>
+                                </a:rPr>
+                              </m:ctrlPr>
+                            </m:fPr>
+                            <m:num>
+                              <m:r>
+                                <a:rPr lang="en-US" altLang="zh-CN" b="0" i="1" smtClean="0">
+                                  <a:solidFill>
+                                    <a:srgbClr val="FF0000"/>
+                                  </a:solidFill>
+                                  <a:latin typeface="Cambria Math" panose="02040503050406030204" pitchFamily="18" charset="0"/>
+                                </a:rPr>
+                                <m:t>1</m:t>
+                              </m:r>
+                            </m:num>
+                            <m:den>
+                              <m:sSup>
+                                <m:sSupPr>
+                                  <m:ctrlPr>
+                                    <a:rPr lang="en-US" altLang="zh-CN" b="0" i="1" smtClean="0">
+                                      <a:solidFill>
+                                        <a:srgbClr val="FF0000"/>
+                                      </a:solidFill>
+                                      <a:latin typeface="Cambria Math" panose="02040503050406030204" pitchFamily="18" charset="0"/>
+                                    </a:rPr>
+                                  </m:ctrlPr>
+                                </m:sSupPr>
+                                <m:e>
+                                  <m:r>
+                                    <a:rPr lang="en-US" altLang="zh-CN" b="0" i="1" smtClean="0">
+                                      <a:solidFill>
+                                        <a:srgbClr val="FF0000"/>
+                                      </a:solidFill>
+                                      <a:latin typeface="Cambria Math" panose="02040503050406030204" pitchFamily="18" charset="0"/>
+                                    </a:rPr>
+                                    <m:t>𝑠</m:t>
+                                  </m:r>
+                                </m:e>
+                                <m:sup>
+                                  <m:r>
+                                    <a:rPr lang="en-US" altLang="zh-CN" b="0" i="1" smtClean="0">
+                                      <a:solidFill>
+                                        <a:srgbClr val="FF0000"/>
+                                      </a:solidFill>
+                                      <a:latin typeface="Cambria Math" panose="02040503050406030204" pitchFamily="18" charset="0"/>
+                                    </a:rPr>
+                                    <m:t>2</m:t>
+                                  </m:r>
+                                </m:sup>
+                              </m:sSup>
+                            </m:den>
+                          </m:f>
+                          <m:r>
+                            <a:rPr lang="en-US" altLang="zh-CN" b="0" i="1" smtClean="0">
+                              <a:solidFill>
+                                <a:srgbClr val="FF0000"/>
+                              </a:solidFill>
+                              <a:latin typeface="Cambria Math" panose="02040503050406030204" pitchFamily="18" charset="0"/>
+                            </a:rPr>
+                            <m:t>+…</m:t>
+                          </m:r>
+                        </m:e>
+                      </m:nary>
+                    </m:oMath>
+                  </m:oMathPara>
+                </a14:m>
+                <a:endParaRPr lang="zh-CN" altLang="en-US" dirty="0"/>
+              </a:p>
+            </p:txBody>
+          </p:sp>
+        </mc:Choice>
+        <mc:Fallback>
+          <p:sp>
+            <p:nvSpPr>
+              <p:cNvPr id="12" name="文本框 11">
+                <a:extLst>
+                  <a:ext uri="{FF2B5EF4-FFF2-40B4-BE49-F238E27FC236}">
+                    <a16:creationId xmlns:a16="http://schemas.microsoft.com/office/drawing/2014/main" id="{F9B5BC33-39FD-4BE4-8ECA-C7E700C101FF}"/>
+                  </a:ext>
+                </a:extLst>
+              </p:cNvPr>
+              <p:cNvSpPr txBox="1">
+                <a:spLocks noRot="1" noChangeAspect="1" noMove="1" noResize="1" noEditPoints="1" noAdjustHandles="1" noChangeArrowheads="1" noChangeShapeType="1" noTextEdit="1"/>
+              </p:cNvSpPr>
+              <p:nvPr/>
+            </p:nvSpPr>
+            <p:spPr>
+              <a:xfrm>
+                <a:off x="4797458" y="5256911"/>
+                <a:ext cx="7089742" cy="1133131"/>
+              </a:xfrm>
+              <a:prstGeom prst="rect">
+                <a:avLst/>
+              </a:prstGeom>
+              <a:blipFill>
+                <a:blip r:embed="rId3"/>
+                <a:stretch>
+                  <a:fillRect/>
+                </a:stretch>
+              </a:blipFill>
+            </p:spPr>
+            <p:txBody>
+              <a:bodyPr/>
+              <a:lstStyle/>
+              <a:p>
+                <a:r>
+                  <a:rPr lang="zh-CN" altLang="en-US">
+                    <a:noFill/>
+                  </a:rPr>
+                  <a:t> </a:t>
+                </a:r>
+              </a:p>
+            </p:txBody>
+          </p:sp>
+        </mc:Fallback>
+      </mc:AlternateContent>
+      <p:cxnSp>
+        <p:nvCxnSpPr>
+          <p:cNvPr id="13" name="直接箭头连接符 12">
+            <a:extLst>
+              <a:ext uri="{FF2B5EF4-FFF2-40B4-BE49-F238E27FC236}">
+                <a16:creationId xmlns:a16="http://schemas.microsoft.com/office/drawing/2014/main" id="{291818AB-18CB-4405-989D-76595B38DE60}"/>
+              </a:ext>
+            </a:extLst>
+          </p:cNvPr>
+          <p:cNvCxnSpPr>
+            <a:cxnSpLocks/>
+          </p:cNvCxnSpPr>
+          <p:nvPr/>
+        </p:nvCxnSpPr>
+        <p:spPr>
+          <a:xfrm flipH="1">
+            <a:off x="8097624" y="2622223"/>
+            <a:ext cx="1329180" cy="0"/>
+          </a:xfrm>
+          <a:prstGeom prst="straightConnector1">
+            <a:avLst/>
+          </a:prstGeom>
+          <a:ln>
+            <a:tailEnd type="triangle"/>
+          </a:ln>
+        </p:spPr>
+        <p:style>
+          <a:lnRef idx="3">
+            <a:schemeClr val="accent2"/>
+          </a:lnRef>
+          <a:fillRef idx="0">
+            <a:schemeClr val="accent2"/>
+          </a:fillRef>
+          <a:effectRef idx="2">
+            <a:schemeClr val="accent2"/>
+          </a:effectRef>
+          <a:fontRef idx="minor">
+            <a:schemeClr val="tx1"/>
+          </a:fontRef>
+        </p:style>
+      </p:cxnSp>
+    </p:spTree>
+    <p:extLst>
+      <p:ext uri="{BB962C8B-B14F-4D97-AF65-F5344CB8AC3E}">
+        <p14:creationId xmlns:p14="http://schemas.microsoft.com/office/powerpoint/2010/main" val="552785211"/>
+      </p:ext>
+    </p:extLst>
+  </p:cSld>
+  <p:clrMapOvr>
+    <a:masterClrMapping/>
+  </p:clrMapOvr>
+</p:sld>
+</file>
+
+<file path=ppt/slides/slide13.xml><?xml version="1.0" encoding="utf-8"?>
+<p:sld xmlns:a="http://schemas.openxmlformats.org/drawingml/2006/main" xmlns:r="http://schemas.openxmlformats.org/officeDocument/2006/relationships" xmlns:p="http://schemas.openxmlformats.org/presentationml/2006/main">
+  <p:cSld>
+    <p:spTree>
+      <p:nvGrpSpPr>
+        <p:cNvPr id="1" name=""/>
+        <p:cNvGrpSpPr/>
+        <p:nvPr/>
+      </p:nvGrpSpPr>
+      <p:grpSpPr>
+        <a:xfrm>
+          <a:off x="0" y="0"/>
+          <a:ext cx="0" cy="0"/>
+          <a:chOff x="0" y="0"/>
+          <a:chExt cx="0" cy="0"/>
+        </a:xfrm>
+      </p:grpSpPr>
+      <p:graphicFrame>
+        <p:nvGraphicFramePr>
+          <p:cNvPr id="5" name="表格 5">
+            <a:extLst>
+              <a:ext uri="{FF2B5EF4-FFF2-40B4-BE49-F238E27FC236}">
+                <a16:creationId xmlns:a16="http://schemas.microsoft.com/office/drawing/2014/main" id="{90AF5B59-60D3-4E37-A9B8-E28193720CF6}"/>
+              </a:ext>
+            </a:extLst>
+          </p:cNvPr>
+          <p:cNvGraphicFramePr>
+            <a:graphicFrameLocks noGrp="1"/>
+          </p:cNvGraphicFramePr>
+          <p:nvPr>
+            <p:extLst>
+              <p:ext uri="{D42A27DB-BD31-4B8C-83A1-F6EECF244321}">
+                <p14:modId xmlns:p14="http://schemas.microsoft.com/office/powerpoint/2010/main" val="2776075657"/>
+              </p:ext>
+            </p:extLst>
+          </p:nvPr>
+        </p:nvGraphicFramePr>
+        <p:xfrm>
+          <a:off x="2032000" y="719666"/>
+          <a:ext cx="8128000" cy="1854200"/>
+        </p:xfrm>
+        <a:graphic>
+          <a:graphicData uri="http://schemas.openxmlformats.org/drawingml/2006/table">
+            <a:tbl>
+              <a:tblPr firstRow="1" bandRow="1">
+                <a:tableStyleId>{5C22544A-7EE6-4342-B048-85BDC9FD1C3A}</a:tableStyleId>
+              </a:tblPr>
+              <a:tblGrid>
+                <a:gridCol w="2032000">
+                  <a:extLst>
+                    <a:ext uri="{9D8B030D-6E8A-4147-A177-3AD203B41FA5}">
+                      <a16:colId xmlns:a16="http://schemas.microsoft.com/office/drawing/2014/main" val="2991644712"/>
+                    </a:ext>
+                  </a:extLst>
+                </a:gridCol>
+                <a:gridCol w="2032000">
+                  <a:extLst>
+                    <a:ext uri="{9D8B030D-6E8A-4147-A177-3AD203B41FA5}">
+                      <a16:colId xmlns:a16="http://schemas.microsoft.com/office/drawing/2014/main" val="186785136"/>
+                    </a:ext>
+                  </a:extLst>
+                </a:gridCol>
+                <a:gridCol w="2032000">
+                  <a:extLst>
+                    <a:ext uri="{9D8B030D-6E8A-4147-A177-3AD203B41FA5}">
+                      <a16:colId xmlns:a16="http://schemas.microsoft.com/office/drawing/2014/main" val="2404880398"/>
+                    </a:ext>
+                  </a:extLst>
+                </a:gridCol>
+                <a:gridCol w="2032000">
+                  <a:extLst>
+                    <a:ext uri="{9D8B030D-6E8A-4147-A177-3AD203B41FA5}">
+                      <a16:colId xmlns:a16="http://schemas.microsoft.com/office/drawing/2014/main" val="2981954714"/>
+                    </a:ext>
+                  </a:extLst>
+                </a:gridCol>
+              </a:tblGrid>
+              <a:tr h="370840">
+                <a:tc>
+                  <a:txBody>
+                    <a:bodyPr/>
+                    <a:lstStyle/>
+                    <a:p>
+                      <a:r>
+                        <a:rPr lang="en-US" altLang="zh-CN" dirty="0"/>
+                        <a:t>3 </a:t>
+                      </a:r>
+                      <a:r>
+                        <a:rPr lang="en-US" altLang="zh-CN" dirty="0" err="1"/>
+                        <a:t>TeV</a:t>
+                      </a:r>
+                      <a:endParaRPr lang="zh-CN" altLang="en-US" dirty="0"/>
+                    </a:p>
+                  </a:txBody>
+                  <a:tcPr/>
+                </a:tc>
+                <a:tc>
+                  <a:txBody>
+                    <a:bodyPr/>
+                    <a:lstStyle/>
+                    <a:p>
+                      <a:r>
+                        <a:rPr lang="en-US" altLang="zh-CN" dirty="0"/>
+                        <a:t>Pre-selection</a:t>
+                      </a:r>
+                      <a:endParaRPr lang="zh-CN" altLang="en-US" dirty="0"/>
+                    </a:p>
+                  </a:txBody>
+                  <a:tcPr/>
+                </a:tc>
+                <a:tc>
+                  <a:txBody>
+                    <a:bodyPr/>
+                    <a:lstStyle/>
+                    <a:p>
+                      <a:r>
+                        <a:rPr lang="en-US" altLang="zh-CN" dirty="0" err="1"/>
+                        <a:t>pT</a:t>
+                      </a:r>
+                      <a:r>
+                        <a:rPr lang="en-US" altLang="zh-CN" dirty="0"/>
+                        <a:t>(</a:t>
+                      </a:r>
+                      <a:r>
+                        <a:rPr lang="en-US" altLang="zh-CN" dirty="0" err="1"/>
+                        <a:t>mumu</a:t>
+                      </a:r>
+                      <a:r>
+                        <a:rPr lang="en-US" altLang="zh-CN" dirty="0"/>
+                        <a:t>)&gt;50</a:t>
+                      </a:r>
+                      <a:endParaRPr lang="zh-CN" altLang="en-US" dirty="0"/>
+                    </a:p>
+                  </a:txBody>
+                  <a:tcPr/>
+                </a:tc>
+                <a:tc>
+                  <a:txBody>
+                    <a:bodyPr/>
+                    <a:lstStyle/>
+                    <a:p>
+                      <a:r>
+                        <a:rPr lang="en-US" altLang="zh-CN" dirty="0"/>
+                        <a:t>E(mu)&gt;300</a:t>
+                      </a:r>
+                      <a:endParaRPr lang="zh-CN" altLang="en-US" dirty="0"/>
+                    </a:p>
+                  </a:txBody>
+                  <a:tcPr/>
+                </a:tc>
+                <a:extLst>
+                  <a:ext uri="{0D108BD9-81ED-4DB2-BD59-A6C34878D82A}">
+                    <a16:rowId xmlns:a16="http://schemas.microsoft.com/office/drawing/2014/main" val="3241668069"/>
+                  </a:ext>
+                </a:extLst>
+              </a:tr>
+              <a:tr h="370840">
+                <a:tc>
+                  <a:txBody>
+                    <a:bodyPr/>
+                    <a:lstStyle/>
+                    <a:p>
+                      <a:r>
+                        <a:rPr lang="en-US" altLang="zh-CN" dirty="0"/>
+                        <a:t>signal</a:t>
+                      </a:r>
+                      <a:endParaRPr lang="zh-CN" altLang="en-US" dirty="0"/>
+                    </a:p>
+                  </a:txBody>
+                  <a:tcPr/>
+                </a:tc>
+                <a:tc>
+                  <a:txBody>
+                    <a:bodyPr/>
+                    <a:lstStyle/>
+                    <a:p>
+                      <a:r>
+                        <a:rPr lang="en-US" altLang="zh-CN" dirty="0"/>
+                        <a:t>62%</a:t>
+                      </a:r>
+                      <a:endParaRPr lang="zh-CN" altLang="en-US" dirty="0"/>
+                    </a:p>
+                  </a:txBody>
+                  <a:tcPr/>
+                </a:tc>
+                <a:tc>
+                  <a:txBody>
+                    <a:bodyPr/>
+                    <a:lstStyle/>
+                    <a:p>
+                      <a:r>
+                        <a:rPr lang="en-US" altLang="zh-CN" dirty="0"/>
+                        <a:t>53%</a:t>
+                      </a:r>
+                      <a:endParaRPr lang="zh-CN" altLang="en-US" dirty="0"/>
+                    </a:p>
+                  </a:txBody>
+                  <a:tcPr/>
+                </a:tc>
+                <a:tc>
+                  <a:txBody>
+                    <a:bodyPr/>
+                    <a:lstStyle/>
+                    <a:p>
+                      <a:r>
+                        <a:rPr lang="en-US" altLang="zh-CN" dirty="0"/>
+                        <a:t>48%</a:t>
+                      </a:r>
+                      <a:endParaRPr lang="zh-CN" altLang="en-US" dirty="0"/>
+                    </a:p>
+                  </a:txBody>
+                  <a:tcPr/>
+                </a:tc>
+                <a:extLst>
+                  <a:ext uri="{0D108BD9-81ED-4DB2-BD59-A6C34878D82A}">
+                    <a16:rowId xmlns:a16="http://schemas.microsoft.com/office/drawing/2014/main" val="2303923214"/>
+                  </a:ext>
+                </a:extLst>
+              </a:tr>
+              <a:tr h="370840">
+                <a:tc>
+                  <a:txBody>
+                    <a:bodyPr/>
+                    <a:lstStyle/>
+                    <a:p>
+                      <a:r>
+                        <a:rPr lang="en-US" altLang="zh-CN" dirty="0" err="1"/>
+                        <a:t>mumu</a:t>
+                      </a:r>
+                      <a:r>
+                        <a:rPr lang="en-US" altLang="zh-CN" dirty="0"/>
+                        <a:t> gamma</a:t>
+                      </a:r>
+                      <a:endParaRPr lang="zh-CN" altLang="en-US" dirty="0"/>
+                    </a:p>
+                  </a:txBody>
+                  <a:tcPr/>
+                </a:tc>
+                <a:tc>
+                  <a:txBody>
+                    <a:bodyPr/>
+                    <a:lstStyle/>
+                    <a:p>
+                      <a:r>
+                        <a:rPr lang="en-US" altLang="zh-CN" dirty="0"/>
+                        <a:t>12.7%</a:t>
+                      </a:r>
+                      <a:endParaRPr lang="zh-CN" altLang="en-US" dirty="0"/>
+                    </a:p>
+                  </a:txBody>
+                  <a:tcPr/>
+                </a:tc>
+                <a:tc>
+                  <a:txBody>
+                    <a:bodyPr/>
+                    <a:lstStyle/>
+                    <a:p>
+                      <a:r>
+                        <a:rPr lang="en-US" altLang="zh-CN" dirty="0"/>
+                        <a:t>0.22%</a:t>
+                      </a:r>
+                      <a:endParaRPr lang="zh-CN" altLang="en-US" dirty="0"/>
+                    </a:p>
+                  </a:txBody>
+                  <a:tcPr/>
+                </a:tc>
+                <a:tc>
+                  <a:txBody>
+                    <a:bodyPr/>
+                    <a:lstStyle/>
+                    <a:p>
+                      <a:r>
+                        <a:rPr lang="en-US" altLang="zh-CN" dirty="0"/>
+                        <a:t>0.11%</a:t>
+                      </a:r>
+                      <a:endParaRPr lang="zh-CN" altLang="en-US" dirty="0"/>
+                    </a:p>
+                  </a:txBody>
+                  <a:tcPr/>
+                </a:tc>
+                <a:extLst>
+                  <a:ext uri="{0D108BD9-81ED-4DB2-BD59-A6C34878D82A}">
+                    <a16:rowId xmlns:a16="http://schemas.microsoft.com/office/drawing/2014/main" val="2967245612"/>
+                  </a:ext>
+                </a:extLst>
+              </a:tr>
+              <a:tr h="370840">
+                <a:tc>
+                  <a:txBody>
+                    <a:bodyPr/>
+                    <a:lstStyle/>
+                    <a:p>
+                      <a:r>
+                        <a:rPr lang="en-US" altLang="zh-CN" dirty="0"/>
+                        <a:t>ff</a:t>
+                      </a:r>
+                      <a:endParaRPr lang="zh-CN" altLang="en-US" dirty="0"/>
+                    </a:p>
+                  </a:txBody>
+                  <a:tcPr/>
+                </a:tc>
+                <a:tc>
+                  <a:txBody>
+                    <a:bodyPr/>
+                    <a:lstStyle/>
+                    <a:p>
+                      <a:r>
+                        <a:rPr lang="en-US" altLang="zh-CN" dirty="0"/>
+                        <a:t>6.4%</a:t>
+                      </a:r>
+                      <a:endParaRPr lang="zh-CN" altLang="en-US" dirty="0"/>
+                    </a:p>
+                  </a:txBody>
+                  <a:tcPr/>
+                </a:tc>
+                <a:tc>
+                  <a:txBody>
+                    <a:bodyPr/>
+                    <a:lstStyle/>
+                    <a:p>
+                      <a:r>
+                        <a:rPr lang="en-US" altLang="zh-CN" dirty="0"/>
+                        <a:t>1.45%</a:t>
+                      </a:r>
+                      <a:endParaRPr lang="zh-CN" altLang="en-US" dirty="0"/>
+                    </a:p>
+                  </a:txBody>
+                  <a:tcPr/>
+                </a:tc>
+                <a:tc>
+                  <a:txBody>
+                    <a:bodyPr/>
+                    <a:lstStyle/>
+                    <a:p>
+                      <a:r>
+                        <a:rPr lang="en-US" altLang="zh-CN" dirty="0"/>
+                        <a:t>0.93%</a:t>
+                      </a:r>
+                      <a:endParaRPr lang="zh-CN" altLang="en-US" dirty="0"/>
+                    </a:p>
+                  </a:txBody>
+                  <a:tcPr/>
+                </a:tc>
+                <a:extLst>
+                  <a:ext uri="{0D108BD9-81ED-4DB2-BD59-A6C34878D82A}">
+                    <a16:rowId xmlns:a16="http://schemas.microsoft.com/office/drawing/2014/main" val="2202492049"/>
+                  </a:ext>
+                </a:extLst>
+              </a:tr>
+              <a:tr h="370840">
+                <a:tc>
+                  <a:txBody>
+                    <a:bodyPr/>
+                    <a:lstStyle/>
+                    <a:p>
+                      <a:r>
+                        <a:rPr lang="en-US" altLang="zh-CN" dirty="0"/>
+                        <a:t>WW</a:t>
+                      </a:r>
+                      <a:endParaRPr lang="zh-CN" altLang="en-US" dirty="0"/>
+                    </a:p>
+                  </a:txBody>
+                  <a:tcPr/>
+                </a:tc>
+                <a:tc>
+                  <a:txBody>
+                    <a:bodyPr/>
+                    <a:lstStyle/>
+                    <a:p>
+                      <a:r>
+                        <a:rPr lang="en-US" altLang="zh-CN" dirty="0"/>
+                        <a:t>23.6%</a:t>
+                      </a:r>
+                      <a:endParaRPr lang="zh-CN" altLang="en-US" dirty="0"/>
+                    </a:p>
+                  </a:txBody>
+                  <a:tcPr/>
+                </a:tc>
+                <a:tc>
+                  <a:txBody>
+                    <a:bodyPr/>
+                    <a:lstStyle/>
+                    <a:p>
+                      <a:r>
+                        <a:rPr lang="en-US" altLang="zh-CN" dirty="0"/>
+                        <a:t>18.3%</a:t>
+                      </a:r>
+                      <a:endParaRPr lang="zh-CN" altLang="en-US" dirty="0"/>
+                    </a:p>
+                  </a:txBody>
+                  <a:tcPr/>
+                </a:tc>
+                <a:tc>
+                  <a:txBody>
+                    <a:bodyPr/>
+                    <a:lstStyle/>
+                    <a:p>
+                      <a:r>
+                        <a:rPr lang="en-US" altLang="zh-CN" dirty="0"/>
+                        <a:t>13.7%</a:t>
+                      </a:r>
+                      <a:endParaRPr lang="zh-CN" altLang="en-US" dirty="0"/>
+                    </a:p>
+                  </a:txBody>
+                  <a:tcPr/>
+                </a:tc>
+                <a:extLst>
+                  <a:ext uri="{0D108BD9-81ED-4DB2-BD59-A6C34878D82A}">
+                    <a16:rowId xmlns:a16="http://schemas.microsoft.com/office/drawing/2014/main" val="814472157"/>
+                  </a:ext>
+                </a:extLst>
+              </a:tr>
+            </a:tbl>
+          </a:graphicData>
+        </a:graphic>
+      </p:graphicFrame>
+      <p:pic>
+        <p:nvPicPr>
+          <p:cNvPr id="7" name="图片 6" descr="表格&#10;&#10;描述已自动生成">
+            <a:extLst>
+              <a:ext uri="{FF2B5EF4-FFF2-40B4-BE49-F238E27FC236}">
+                <a16:creationId xmlns:a16="http://schemas.microsoft.com/office/drawing/2014/main" id="{68EAA1F3-70DE-4E17-AFE9-6D14E7175E0E}"/>
+              </a:ext>
+            </a:extLst>
+          </p:cNvPr>
+          <p:cNvPicPr>
+            <a:picLocks noChangeAspect="1"/>
+          </p:cNvPicPr>
+          <p:nvPr/>
+        </p:nvPicPr>
+        <p:blipFill>
+          <a:blip r:embed="rId2">
+            <a:extLst>
+              <a:ext uri="{28A0092B-C50C-407E-A947-70E740481C1C}">
+                <a14:useLocalDpi xmlns:a14="http://schemas.microsoft.com/office/drawing/2010/main" val="0"/>
+              </a:ext>
+            </a:extLst>
+          </a:blip>
+          <a:stretch>
+            <a:fillRect/>
+          </a:stretch>
+        </p:blipFill>
+        <p:spPr>
+          <a:xfrm>
+            <a:off x="1868478" y="3563333"/>
+            <a:ext cx="8455043" cy="2699776"/>
+          </a:xfrm>
+          <a:prstGeom prst="rect">
+            <a:avLst/>
+          </a:prstGeom>
+        </p:spPr>
+      </p:pic>
+    </p:spTree>
+    <p:extLst>
+      <p:ext uri="{BB962C8B-B14F-4D97-AF65-F5344CB8AC3E}">
+        <p14:creationId xmlns:p14="http://schemas.microsoft.com/office/powerpoint/2010/main" val="2962649646"/>
+      </p:ext>
+    </p:extLst>
+  </p:cSld>
+  <p:clrMapOvr>
+    <a:masterClrMapping/>
+  </p:clrMapOvr>
+</p:sld>
+</file>
+
+<file path=ppt/slides/slide14.xml><?xml version="1.0" encoding="utf-8"?>
+<p:sld xmlns:a="http://schemas.openxmlformats.org/drawingml/2006/main" xmlns:r="http://schemas.openxmlformats.org/officeDocument/2006/relationships" xmlns:p="http://schemas.openxmlformats.org/presentationml/2006/main">
+  <p:cSld>
+    <p:spTree>
+      <p:nvGrpSpPr>
+        <p:cNvPr id="1" name=""/>
+        <p:cNvGrpSpPr/>
+        <p:nvPr/>
+      </p:nvGrpSpPr>
+      <p:grpSpPr>
+        <a:xfrm>
+          <a:off x="0" y="0"/>
+          <a:ext cx="0" cy="0"/>
+          <a:chOff x="0" y="0"/>
+          <a:chExt cx="0" cy="0"/>
+        </a:xfrm>
+      </p:grpSpPr>
+      <p:pic>
+        <p:nvPicPr>
+          <p:cNvPr id="6" name="图片 5" descr="图表, 条形图&#10;&#10;描述已自动生成">
+            <a:extLst>
+              <a:ext uri="{FF2B5EF4-FFF2-40B4-BE49-F238E27FC236}">
+                <a16:creationId xmlns:a16="http://schemas.microsoft.com/office/drawing/2014/main" id="{0E2A5817-5406-4DD5-8A3E-18E532D2E857}"/>
+              </a:ext>
+            </a:extLst>
+          </p:cNvPr>
+          <p:cNvPicPr>
+            <a:picLocks noChangeAspect="1"/>
+          </p:cNvPicPr>
+          <p:nvPr/>
+        </p:nvPicPr>
+        <p:blipFill>
+          <a:blip r:embed="rId2">
+            <a:extLst>
+              <a:ext uri="{28A0092B-C50C-407E-A947-70E740481C1C}">
+                <a14:useLocalDpi xmlns:a14="http://schemas.microsoft.com/office/drawing/2010/main" val="0"/>
+              </a:ext>
+            </a:extLst>
+          </a:blip>
+          <a:stretch>
+            <a:fillRect/>
+          </a:stretch>
+        </p:blipFill>
+        <p:spPr>
+          <a:xfrm>
+            <a:off x="6092790" y="1730400"/>
+            <a:ext cx="6052074" cy="3874416"/>
+          </a:xfrm>
+          <a:prstGeom prst="rect">
+            <a:avLst/>
+          </a:prstGeom>
+        </p:spPr>
+      </p:pic>
+      <p:pic>
+        <p:nvPicPr>
+          <p:cNvPr id="12" name="图片 11" descr="图表, 条形图&#10;&#10;描述已自动生成">
+            <a:extLst>
+              <a:ext uri="{FF2B5EF4-FFF2-40B4-BE49-F238E27FC236}">
+                <a16:creationId xmlns:a16="http://schemas.microsoft.com/office/drawing/2014/main" id="{60022CD8-0BE5-4FA2-A1ED-DEA70B7C0D3F}"/>
+              </a:ext>
+            </a:extLst>
+          </p:cNvPr>
+          <p:cNvPicPr>
+            <a:picLocks noChangeAspect="1"/>
+          </p:cNvPicPr>
+          <p:nvPr/>
+        </p:nvPicPr>
+        <p:blipFill>
+          <a:blip r:embed="rId3">
+            <a:extLst>
+              <a:ext uri="{28A0092B-C50C-407E-A947-70E740481C1C}">
+                <a14:useLocalDpi xmlns:a14="http://schemas.microsoft.com/office/drawing/2010/main" val="0"/>
+              </a:ext>
+            </a:extLst>
+          </a:blip>
+          <a:stretch>
+            <a:fillRect/>
+          </a:stretch>
+        </p:blipFill>
+        <p:spPr>
+          <a:xfrm>
+            <a:off x="0" y="1730400"/>
+            <a:ext cx="6052074" cy="3874416"/>
+          </a:xfrm>
+          <a:prstGeom prst="rect">
+            <a:avLst/>
+          </a:prstGeom>
+        </p:spPr>
+      </p:pic>
+      <p:sp>
+        <p:nvSpPr>
+          <p:cNvPr id="13" name="文本框 12">
+            <a:extLst>
+              <a:ext uri="{FF2B5EF4-FFF2-40B4-BE49-F238E27FC236}">
+                <a16:creationId xmlns:a16="http://schemas.microsoft.com/office/drawing/2014/main" id="{DB4A6748-8106-49C3-A673-D5B3BA4AD059}"/>
+              </a:ext>
+            </a:extLst>
+          </p:cNvPr>
+          <p:cNvSpPr txBox="1"/>
+          <p:nvPr/>
+        </p:nvSpPr>
+        <p:spPr>
+          <a:xfrm>
+            <a:off x="829559" y="367065"/>
+            <a:ext cx="8766928" cy="707886"/>
+          </a:xfrm>
+          <a:prstGeom prst="rect">
+            <a:avLst/>
+          </a:prstGeom>
+          <a:noFill/>
+        </p:spPr>
+        <p:txBody>
+          <a:bodyPr wrap="square" rtlCol="0">
+            <a:spAutoFit/>
+          </a:bodyPr>
+          <a:lstStyle/>
+          <a:p>
+            <a:r>
+              <a:rPr lang="en-US" altLang="zh-CN" sz="4000" dirty="0"/>
+              <a:t>Latest vs. Previous result</a:t>
+            </a:r>
+            <a:endParaRPr lang="zh-CN" altLang="en-US" sz="4000" dirty="0"/>
+          </a:p>
+        </p:txBody>
+      </p:sp>
+    </p:spTree>
+    <p:extLst>
+      <p:ext uri="{BB962C8B-B14F-4D97-AF65-F5344CB8AC3E}">
+        <p14:creationId xmlns:p14="http://schemas.microsoft.com/office/powerpoint/2010/main" val="83636110"/>
+      </p:ext>
+    </p:extLst>
+  </p:cSld>
+  <p:clrMapOvr>
+    <a:masterClrMapping/>
+  </p:clrMapOvr>
+</p:sld>
+</file>
+
+<file path=ppt/slides/slide15.xml><?xml version="1.0" encoding="utf-8"?>
+<p:sld xmlns:a="http://schemas.openxmlformats.org/drawingml/2006/main" xmlns:r="http://schemas.openxmlformats.org/officeDocument/2006/relationships" xmlns:p="http://schemas.openxmlformats.org/presentationml/2006/main">
+  <p:cSld>
+    <p:spTree>
+      <p:nvGrpSpPr>
+        <p:cNvPr id="1" name=""/>
+        <p:cNvGrpSpPr/>
+        <p:nvPr/>
+      </p:nvGrpSpPr>
+      <p:grpSpPr>
+        <a:xfrm>
+          <a:off x="0" y="0"/>
+          <a:ext cx="0" cy="0"/>
+          <a:chOff x="0" y="0"/>
+          <a:chExt cx="0" cy="0"/>
+        </a:xfrm>
+      </p:grpSpPr>
+      <p:pic>
+        <p:nvPicPr>
+          <p:cNvPr id="4" name="图片 3" descr="图表, 条形图&#10;&#10;描述已自动生成">
+            <a:extLst>
+              <a:ext uri="{FF2B5EF4-FFF2-40B4-BE49-F238E27FC236}">
+                <a16:creationId xmlns:a16="http://schemas.microsoft.com/office/drawing/2014/main" id="{89F266EC-3A8F-4E79-AF63-B9E273347261}"/>
+              </a:ext>
+            </a:extLst>
+          </p:cNvPr>
+          <p:cNvPicPr>
+            <a:picLocks noChangeAspect="1"/>
+          </p:cNvPicPr>
+          <p:nvPr/>
+        </p:nvPicPr>
+        <p:blipFill>
+          <a:blip r:embed="rId2">
+            <a:extLst>
+              <a:ext uri="{28A0092B-C50C-407E-A947-70E740481C1C}">
+                <a14:useLocalDpi xmlns:a14="http://schemas.microsoft.com/office/drawing/2010/main" val="0"/>
+              </a:ext>
+            </a:extLst>
+          </a:blip>
+          <a:stretch>
+            <a:fillRect/>
+          </a:stretch>
+        </p:blipFill>
+        <p:spPr>
+          <a:xfrm>
+            <a:off x="1856295" y="1338610"/>
+            <a:ext cx="8051276" cy="5154265"/>
+          </a:xfrm>
+          <a:prstGeom prst="rect">
+            <a:avLst/>
+          </a:prstGeom>
+        </p:spPr>
+      </p:pic>
+      <p:sp>
+        <p:nvSpPr>
+          <p:cNvPr id="5" name="文本框 4">
+            <a:extLst>
+              <a:ext uri="{FF2B5EF4-FFF2-40B4-BE49-F238E27FC236}">
+                <a16:creationId xmlns:a16="http://schemas.microsoft.com/office/drawing/2014/main" id="{DA903122-1784-44F3-9E06-2E5FBBAAB185}"/>
+              </a:ext>
+            </a:extLst>
+          </p:cNvPr>
+          <p:cNvSpPr txBox="1"/>
+          <p:nvPr/>
+        </p:nvSpPr>
+        <p:spPr>
+          <a:xfrm>
+            <a:off x="904973" y="226243"/>
+            <a:ext cx="3883843" cy="646331"/>
+          </a:xfrm>
+          <a:prstGeom prst="rect">
+            <a:avLst/>
+          </a:prstGeom>
+          <a:noFill/>
+        </p:spPr>
+        <p:txBody>
+          <a:bodyPr wrap="square" rtlCol="0">
+            <a:spAutoFit/>
+          </a:bodyPr>
+          <a:lstStyle/>
+          <a:p>
+            <a:r>
+              <a:rPr lang="en-US" altLang="zh-CN" sz="3600" dirty="0"/>
+              <a:t>10p global fit</a:t>
+            </a:r>
+            <a:endParaRPr lang="zh-CN" altLang="en-US" sz="3600" dirty="0"/>
+          </a:p>
+        </p:txBody>
+      </p:sp>
+    </p:spTree>
+    <p:extLst>
+      <p:ext uri="{BB962C8B-B14F-4D97-AF65-F5344CB8AC3E}">
+        <p14:creationId xmlns:p14="http://schemas.microsoft.com/office/powerpoint/2010/main" val="711844092"/>
+      </p:ext>
+    </p:extLst>
+  </p:cSld>
+  <p:clrMapOvr>
+    <a:masterClrMapping/>
+  </p:clrMapOvr>
+</p:sld>
+</file>
+
+<file path=ppt/slides/slide16.xml><?xml version="1.0" encoding="utf-8"?>
+<p:sld xmlns:a="http://schemas.openxmlformats.org/drawingml/2006/main" xmlns:r="http://schemas.openxmlformats.org/officeDocument/2006/relationships" xmlns:p="http://schemas.openxmlformats.org/presentationml/2006/main">
+  <p:cSld>
+    <p:spTree>
+      <p:nvGrpSpPr>
+        <p:cNvPr id="1" name=""/>
+        <p:cNvGrpSpPr/>
+        <p:nvPr/>
+      </p:nvGrpSpPr>
+      <p:grpSpPr>
+        <a:xfrm>
+          <a:off x="0" y="0"/>
+          <a:ext cx="0" cy="0"/>
+          <a:chOff x="0" y="0"/>
+          <a:chExt cx="0" cy="0"/>
+        </a:xfrm>
+      </p:grpSpPr>
+      <p:sp>
+        <p:nvSpPr>
+          <p:cNvPr id="2" name="标题 1">
+            <a:extLst>
+              <a:ext uri="{FF2B5EF4-FFF2-40B4-BE49-F238E27FC236}">
+                <a16:creationId xmlns:a16="http://schemas.microsoft.com/office/drawing/2014/main" id="{DFC3BA18-F459-4F25-AB0C-CE885106D430}"/>
+              </a:ext>
+            </a:extLst>
+          </p:cNvPr>
+          <p:cNvSpPr>
+            <a:spLocks noGrp="1"/>
+          </p:cNvSpPr>
+          <p:nvPr>
+            <p:ph type="title"/>
+          </p:nvPr>
+        </p:nvSpPr>
+        <p:spPr>
+          <a:xfrm>
+            <a:off x="838199" y="90137"/>
+            <a:ext cx="10515600" cy="1325563"/>
+          </a:xfrm>
+        </p:spPr>
+        <p:txBody>
+          <a:bodyPr/>
+          <a:lstStyle/>
+          <a:p>
+            <a:r>
+              <a:rPr lang="en-US" altLang="zh-CN" dirty="0"/>
+              <a:t>Combine with </a:t>
+            </a:r>
+            <a:r>
+              <a:rPr lang="en-US" altLang="zh-CN" dirty="0" err="1"/>
+              <a:t>MuC</a:t>
+            </a:r>
+            <a:r>
+              <a:rPr lang="en-US" altLang="zh-CN" dirty="0"/>
+              <a:t> 125GeV</a:t>
+            </a:r>
+            <a:endParaRPr lang="zh-CN" altLang="en-US" dirty="0"/>
+          </a:p>
+        </p:txBody>
+      </p:sp>
+      <p:pic>
+        <p:nvPicPr>
+          <p:cNvPr id="7" name="图片 6" descr="图表, 条形图&#10;&#10;描述已自动生成">
+            <a:extLst>
+              <a:ext uri="{FF2B5EF4-FFF2-40B4-BE49-F238E27FC236}">
+                <a16:creationId xmlns:a16="http://schemas.microsoft.com/office/drawing/2014/main" id="{A43CD7FC-B7C5-4354-BC7A-309F28EDCFF6}"/>
+              </a:ext>
+            </a:extLst>
+          </p:cNvPr>
+          <p:cNvPicPr>
+            <a:picLocks noChangeAspect="1"/>
+          </p:cNvPicPr>
+          <p:nvPr/>
+        </p:nvPicPr>
+        <p:blipFill>
+          <a:blip r:embed="rId2">
+            <a:extLst>
+              <a:ext uri="{28A0092B-C50C-407E-A947-70E740481C1C}">
+                <a14:useLocalDpi xmlns:a14="http://schemas.microsoft.com/office/drawing/2010/main" val="0"/>
+              </a:ext>
+            </a:extLst>
+          </a:blip>
+          <a:stretch>
+            <a:fillRect/>
+          </a:stretch>
+        </p:blipFill>
+        <p:spPr>
+          <a:xfrm>
+            <a:off x="1121004" y="1160597"/>
+            <a:ext cx="8899690" cy="5697403"/>
+          </a:xfrm>
+          <a:prstGeom prst="rect">
+            <a:avLst/>
+          </a:prstGeom>
+        </p:spPr>
+      </p:pic>
+    </p:spTree>
+    <p:extLst>
+      <p:ext uri="{BB962C8B-B14F-4D97-AF65-F5344CB8AC3E}">
+        <p14:creationId xmlns:p14="http://schemas.microsoft.com/office/powerpoint/2010/main" val="3815309961"/>
+      </p:ext>
+    </p:extLst>
+  </p:cSld>
+  <p:clrMapOvr>
+    <a:masterClrMapping/>
+  </p:clrMapOvr>
+</p:sld>
+</file>
+
+<file path=ppt/slides/slide17.xml><?xml version="1.0" encoding="utf-8"?>
+<p:sld xmlns:a="http://schemas.openxmlformats.org/drawingml/2006/main" xmlns:r="http://schemas.openxmlformats.org/officeDocument/2006/relationships" xmlns:p="http://schemas.openxmlformats.org/presentationml/2006/main">
+  <p:cSld>
+    <p:spTree>
+      <p:nvGrpSpPr>
+        <p:cNvPr id="1" name=""/>
+        <p:cNvGrpSpPr/>
+        <p:nvPr/>
+      </p:nvGrpSpPr>
+      <p:grpSpPr>
+        <a:xfrm>
+          <a:off x="0" y="0"/>
+          <a:ext cx="0" cy="0"/>
+          <a:chOff x="0" y="0"/>
+          <a:chExt cx="0" cy="0"/>
+        </a:xfrm>
+      </p:grpSpPr>
+      <p:pic>
+        <p:nvPicPr>
+          <p:cNvPr id="9" name="图片 8" descr="图表, 条形图&#10;&#10;描述已自动生成">
+            <a:extLst>
+              <a:ext uri="{FF2B5EF4-FFF2-40B4-BE49-F238E27FC236}">
+                <a16:creationId xmlns:a16="http://schemas.microsoft.com/office/drawing/2014/main" id="{D6AE506A-4C70-4ABA-8777-2F23C6F9C944}"/>
+              </a:ext>
+            </a:extLst>
+          </p:cNvPr>
+          <p:cNvPicPr>
+            <a:picLocks noChangeAspect="1"/>
+          </p:cNvPicPr>
+          <p:nvPr/>
+        </p:nvPicPr>
+        <p:blipFill>
+          <a:blip r:embed="rId2">
+            <a:extLst>
+              <a:ext uri="{28A0092B-C50C-407E-A947-70E740481C1C}">
+                <a14:useLocalDpi xmlns:a14="http://schemas.microsoft.com/office/drawing/2010/main" val="0"/>
+              </a:ext>
+            </a:extLst>
+          </a:blip>
+          <a:stretch>
+            <a:fillRect/>
+          </a:stretch>
+        </p:blipFill>
+        <p:spPr>
+          <a:xfrm>
+            <a:off x="84776" y="1759891"/>
+            <a:ext cx="6881632" cy="4405482"/>
+          </a:xfrm>
+          <a:prstGeom prst="rect">
+            <a:avLst/>
+          </a:prstGeom>
+        </p:spPr>
+      </p:pic>
+      <p:sp>
+        <p:nvSpPr>
+          <p:cNvPr id="5" name="椭圆 4">
+            <a:extLst>
+              <a:ext uri="{FF2B5EF4-FFF2-40B4-BE49-F238E27FC236}">
+                <a16:creationId xmlns:a16="http://schemas.microsoft.com/office/drawing/2014/main" id="{336DC55C-5040-42A6-9A30-50015B30C8AF}"/>
+              </a:ext>
+            </a:extLst>
+          </p:cNvPr>
+          <p:cNvSpPr/>
+          <p:nvPr/>
+        </p:nvSpPr>
+        <p:spPr>
+          <a:xfrm>
+            <a:off x="6240545" y="5835192"/>
+            <a:ext cx="575035" cy="423267"/>
+          </a:xfrm>
+          <a:prstGeom prst="ellipse">
+            <a:avLst/>
+          </a:prstGeom>
+          <a:noFill/>
+          <a:ln>
+            <a:solidFill>
+              <a:srgbClr val="FF0000"/>
+            </a:solidFill>
+          </a:ln>
+        </p:spPr>
+        <p:style>
+          <a:lnRef idx="2">
+            <a:schemeClr val="accent1">
+              <a:shade val="50000"/>
+            </a:schemeClr>
+          </a:lnRef>
+          <a:fillRef idx="1">
+            <a:schemeClr val="accent1"/>
+          </a:fillRef>
+          <a:effectRef idx="0">
+            <a:schemeClr val="accent1"/>
+          </a:effectRef>
+          <a:fontRef idx="minor">
+            <a:schemeClr val="lt1"/>
+          </a:fontRef>
+        </p:style>
+        <p:txBody>
+          <a:bodyPr rtlCol="0" anchor="ctr"/>
+          <a:lstStyle/>
+          <a:p>
+            <a:pPr algn="ctr"/>
+            <a:endParaRPr lang="zh-CN" altLang="en-US"/>
+          </a:p>
+        </p:txBody>
+      </p:sp>
+      <p:cxnSp>
+        <p:nvCxnSpPr>
+          <p:cNvPr id="7" name="直接箭头连接符 6">
+            <a:extLst>
+              <a:ext uri="{FF2B5EF4-FFF2-40B4-BE49-F238E27FC236}">
+                <a16:creationId xmlns:a16="http://schemas.microsoft.com/office/drawing/2014/main" id="{8F2B929F-2D6F-4165-B9DD-61F0AE0858DD}"/>
+              </a:ext>
+            </a:extLst>
+          </p:cNvPr>
+          <p:cNvCxnSpPr>
+            <a:stCxn id="5" idx="7"/>
+          </p:cNvCxnSpPr>
+          <p:nvPr/>
+        </p:nvCxnSpPr>
+        <p:spPr>
+          <a:xfrm flipV="1">
+            <a:off x="6731368" y="5731497"/>
+            <a:ext cx="857209" cy="165681"/>
+          </a:xfrm>
+          <a:prstGeom prst="straightConnector1">
+            <a:avLst/>
+          </a:prstGeom>
+          <a:ln>
+            <a:tailEnd type="triangle"/>
+          </a:ln>
+        </p:spPr>
+        <p:style>
+          <a:lnRef idx="2">
+            <a:schemeClr val="accent2"/>
+          </a:lnRef>
+          <a:fillRef idx="0">
+            <a:schemeClr val="accent2"/>
+          </a:fillRef>
+          <a:effectRef idx="1">
+            <a:schemeClr val="accent2"/>
+          </a:effectRef>
+          <a:fontRef idx="minor">
+            <a:schemeClr val="tx1"/>
+          </a:fontRef>
+        </p:style>
+      </p:cxnSp>
+      <mc:AlternateContent xmlns:mc="http://schemas.openxmlformats.org/markup-compatibility/2006" xmlns:a14="http://schemas.microsoft.com/office/drawing/2010/main">
+        <mc:Choice Requires="a14">
+          <p:sp>
+            <p:nvSpPr>
+              <p:cNvPr id="8" name="文本框 7">
+                <a:extLst>
+                  <a:ext uri="{FF2B5EF4-FFF2-40B4-BE49-F238E27FC236}">
+                    <a16:creationId xmlns:a16="http://schemas.microsoft.com/office/drawing/2014/main" id="{46B06A7C-6547-43BC-8A56-70476F4AE3B3}"/>
+                  </a:ext>
+                </a:extLst>
+              </p:cNvPr>
+              <p:cNvSpPr txBox="1"/>
+              <p:nvPr/>
+            </p:nvSpPr>
+            <p:spPr>
+              <a:xfrm>
+                <a:off x="7588578" y="5467546"/>
+                <a:ext cx="857210" cy="369332"/>
+              </a:xfrm>
+              <a:prstGeom prst="rect">
+                <a:avLst/>
+              </a:prstGeom>
+              <a:noFill/>
+            </p:spPr>
+            <p:txBody>
+              <a:bodyPr wrap="square" rtlCol="0">
+                <a:spAutoFit/>
+              </a:bodyPr>
+              <a:lstStyle/>
+              <a:p>
+                <a:pPr/>
+                <a14:m>
+                  <m:oMathPara xmlns:m="http://schemas.openxmlformats.org/officeDocument/2006/math">
+                    <m:oMathParaPr>
+                      <m:jc m:val="centerGroup"/>
+                    </m:oMathParaPr>
+                    <m:oMath xmlns:m="http://schemas.openxmlformats.org/officeDocument/2006/math">
+                      <m:r>
+                        <a:rPr lang="en-US" altLang="zh-CN" b="0" i="1" smtClean="0">
+                          <a:latin typeface="Cambria Math" panose="02040503050406030204" pitchFamily="18" charset="0"/>
+                        </a:rPr>
+                        <m:t>𝐵</m:t>
+                      </m:r>
+                      <m:sSub>
+                        <m:sSubPr>
+                          <m:ctrlPr>
+                            <a:rPr lang="en-US" altLang="zh-CN" b="0" i="1" smtClean="0">
+                              <a:latin typeface="Cambria Math" panose="02040503050406030204" pitchFamily="18" charset="0"/>
+                            </a:rPr>
+                          </m:ctrlPr>
+                        </m:sSubPr>
+                        <m:e>
+                          <m:r>
+                            <a:rPr lang="en-US" altLang="zh-CN" b="0" i="1" smtClean="0">
+                              <a:latin typeface="Cambria Math" panose="02040503050406030204" pitchFamily="18" charset="0"/>
+                            </a:rPr>
+                            <m:t>𝑅</m:t>
+                          </m:r>
+                        </m:e>
+                        <m:sub>
+                          <m:r>
+                            <a:rPr lang="en-US" altLang="zh-CN" b="0" i="1" smtClean="0">
+                              <a:latin typeface="Cambria Math" panose="02040503050406030204" pitchFamily="18" charset="0"/>
+                            </a:rPr>
+                            <m:t>𝐵𝑆𝑀</m:t>
+                          </m:r>
+                        </m:sub>
+                      </m:sSub>
+                    </m:oMath>
+                  </m:oMathPara>
+                </a14:m>
+                <a:endParaRPr lang="zh-CN" altLang="en-US" dirty="0"/>
+              </a:p>
+            </p:txBody>
+          </p:sp>
+        </mc:Choice>
+        <mc:Fallback xmlns="">
+          <p:sp>
+            <p:nvSpPr>
+              <p:cNvPr id="8" name="文本框 7">
+                <a:extLst>
+                  <a:ext uri="{FF2B5EF4-FFF2-40B4-BE49-F238E27FC236}">
+                    <a16:creationId xmlns:a16="http://schemas.microsoft.com/office/drawing/2014/main" id="{46B06A7C-6547-43BC-8A56-70476F4AE3B3}"/>
+                  </a:ext>
+                </a:extLst>
+              </p:cNvPr>
+              <p:cNvSpPr txBox="1">
+                <a:spLocks noRot="1" noChangeAspect="1" noMove="1" noResize="1" noEditPoints="1" noAdjustHandles="1" noChangeArrowheads="1" noChangeShapeType="1" noTextEdit="1"/>
+              </p:cNvSpPr>
+              <p:nvPr/>
+            </p:nvSpPr>
+            <p:spPr>
+              <a:xfrm>
+                <a:off x="7588578" y="5467546"/>
+                <a:ext cx="857210" cy="369332"/>
+              </a:xfrm>
+              <a:prstGeom prst="rect">
+                <a:avLst/>
+              </a:prstGeom>
+              <a:blipFill>
+                <a:blip r:embed="rId3"/>
+                <a:stretch>
+                  <a:fillRect/>
+                </a:stretch>
+              </a:blipFill>
+            </p:spPr>
+            <p:txBody>
+              <a:bodyPr/>
+              <a:lstStyle/>
+              <a:p>
+                <a:r>
+                  <a:rPr lang="zh-CN" altLang="en-US">
+                    <a:noFill/>
+                  </a:rPr>
+                  <a:t> </a:t>
+                </a:r>
+              </a:p>
+            </p:txBody>
+          </p:sp>
+        </mc:Fallback>
+      </mc:AlternateContent>
+      <mc:AlternateContent xmlns:mc="http://schemas.openxmlformats.org/markup-compatibility/2006" xmlns:a14="http://schemas.microsoft.com/office/drawing/2010/main">
+        <mc:Choice Requires="a14">
+          <p:sp>
+            <p:nvSpPr>
+              <p:cNvPr id="11" name="标题 1">
+                <a:extLst>
+                  <a:ext uri="{FF2B5EF4-FFF2-40B4-BE49-F238E27FC236}">
+                    <a16:creationId xmlns:a16="http://schemas.microsoft.com/office/drawing/2014/main" id="{699870A4-C73B-4A66-A0D4-439908211574}"/>
+                  </a:ext>
+                </a:extLst>
+              </p:cNvPr>
+              <p:cNvSpPr>
+                <a:spLocks noGrp="1"/>
+              </p:cNvSpPr>
+              <p:nvPr>
+                <p:ph type="title"/>
+              </p:nvPr>
+            </p:nvSpPr>
+            <p:spPr>
+              <a:xfrm>
+                <a:off x="838200" y="148092"/>
+                <a:ext cx="10515600" cy="1325563"/>
+              </a:xfrm>
+            </p:spPr>
+            <p:txBody>
+              <a:bodyPr/>
+              <a:lstStyle/>
+              <a:p>
+                <a:r>
+                  <a:rPr lang="en-US" altLang="zh-CN" dirty="0"/>
+                  <a:t>Convert </a:t>
+                </a:r>
+                <a14:m>
+                  <m:oMath xmlns:m="http://schemas.openxmlformats.org/officeDocument/2006/math">
+                    <m:sSub>
+                      <m:sSubPr>
+                        <m:ctrlPr>
+                          <a:rPr lang="en-US" altLang="zh-CN" b="0" i="1" smtClean="0">
+                            <a:latin typeface="Cambria Math" panose="02040503050406030204" pitchFamily="18" charset="0"/>
+                          </a:rPr>
+                        </m:ctrlPr>
+                      </m:sSubPr>
+                      <m:e>
+                        <m:r>
+                          <a:rPr lang="en-US" altLang="zh-CN" b="0" i="1" smtClean="0">
+                            <a:latin typeface="Cambria Math" panose="02040503050406030204" pitchFamily="18" charset="0"/>
+                          </a:rPr>
+                          <m:t>𝑘</m:t>
+                        </m:r>
+                      </m:e>
+                      <m:sub>
+                        <m:r>
+                          <m:rPr>
+                            <m:sty m:val="p"/>
+                          </m:rPr>
+                          <a:rPr lang="en-US" altLang="zh-CN" b="0" i="0" smtClean="0">
+                            <a:latin typeface="Cambria Math" panose="02040503050406030204" pitchFamily="18" charset="0"/>
+                          </a:rPr>
+                          <m:t>Γ</m:t>
+                        </m:r>
+                      </m:sub>
+                    </m:sSub>
+                  </m:oMath>
+                </a14:m>
+                <a:r>
+                  <a:rPr lang="en-US" altLang="zh-CN" dirty="0"/>
+                  <a:t> to </a:t>
+                </a:r>
+                <a14:m>
+                  <m:oMath xmlns:m="http://schemas.openxmlformats.org/officeDocument/2006/math">
+                    <m:r>
+                      <a:rPr lang="en-US" altLang="zh-CN" b="0" i="1" smtClean="0">
+                        <a:latin typeface="Cambria Math" panose="02040503050406030204" pitchFamily="18" charset="0"/>
+                      </a:rPr>
+                      <m:t>𝐵</m:t>
+                    </m:r>
+                    <m:sSub>
+                      <m:sSubPr>
+                        <m:ctrlPr>
+                          <a:rPr lang="en-US" altLang="zh-CN" b="0" i="1" smtClean="0">
+                            <a:latin typeface="Cambria Math" panose="02040503050406030204" pitchFamily="18" charset="0"/>
+                          </a:rPr>
+                        </m:ctrlPr>
+                      </m:sSubPr>
+                      <m:e>
+                        <m:r>
+                          <a:rPr lang="en-US" altLang="zh-CN" b="0" i="1" smtClean="0">
+                            <a:latin typeface="Cambria Math" panose="02040503050406030204" pitchFamily="18" charset="0"/>
+                          </a:rPr>
+                          <m:t>𝑅</m:t>
+                        </m:r>
+                      </m:e>
+                      <m:sub>
+                        <m:r>
+                          <a:rPr lang="en-US" altLang="zh-CN" b="0" i="1" smtClean="0">
+                            <a:latin typeface="Cambria Math" panose="02040503050406030204" pitchFamily="18" charset="0"/>
+                          </a:rPr>
+                          <m:t>𝐵𝑆𝑀</m:t>
+                        </m:r>
+                      </m:sub>
+                    </m:sSub>
+                  </m:oMath>
+                </a14:m>
+                <a:endParaRPr lang="zh-CN" altLang="en-US" dirty="0"/>
+              </a:p>
+            </p:txBody>
+          </p:sp>
+        </mc:Choice>
+        <mc:Fallback xmlns="">
+          <p:sp>
+            <p:nvSpPr>
+              <p:cNvPr id="11" name="标题 1">
+                <a:extLst>
+                  <a:ext uri="{FF2B5EF4-FFF2-40B4-BE49-F238E27FC236}">
+                    <a16:creationId xmlns:a16="http://schemas.microsoft.com/office/drawing/2014/main" id="{699870A4-C73B-4A66-A0D4-439908211574}"/>
+                  </a:ext>
+                </a:extLst>
+              </p:cNvPr>
+              <p:cNvSpPr>
+                <a:spLocks noGrp="1" noRot="1" noChangeAspect="1" noMove="1" noResize="1" noEditPoints="1" noAdjustHandles="1" noChangeArrowheads="1" noChangeShapeType="1" noTextEdit="1"/>
+              </p:cNvSpPr>
+              <p:nvPr>
+                <p:ph type="title"/>
+              </p:nvPr>
+            </p:nvSpPr>
+            <p:spPr>
+              <a:xfrm>
+                <a:off x="838200" y="148092"/>
+                <a:ext cx="10515600" cy="1325563"/>
+              </a:xfrm>
+              <a:blipFill>
+                <a:blip r:embed="rId4"/>
+                <a:stretch>
+                  <a:fillRect l="-2377"/>
+                </a:stretch>
+              </a:blipFill>
+            </p:spPr>
+            <p:txBody>
+              <a:bodyPr/>
+              <a:lstStyle/>
+              <a:p>
+                <a:r>
+                  <a:rPr lang="zh-CN" altLang="en-US">
+                    <a:noFill/>
+                  </a:rPr>
+                  <a:t> </a:t>
+                </a:r>
+              </a:p>
+            </p:txBody>
+          </p:sp>
+        </mc:Fallback>
+      </mc:AlternateContent>
+    </p:spTree>
+    <p:extLst>
+      <p:ext uri="{BB962C8B-B14F-4D97-AF65-F5344CB8AC3E}">
+        <p14:creationId xmlns:p14="http://schemas.microsoft.com/office/powerpoint/2010/main" val="948851503"/>
+      </p:ext>
+    </p:extLst>
+  </p:cSld>
+  <p:clrMapOvr>
+    <a:masterClrMapping/>
+  </p:clrMapOvr>
+</p:sld>
+</file>
+
+<file path=ppt/slides/slide18.xml><?xml version="1.0" encoding="utf-8"?>
+<p:sld xmlns:a="http://schemas.openxmlformats.org/drawingml/2006/main" xmlns:r="http://schemas.openxmlformats.org/officeDocument/2006/relationships" xmlns:p="http://schemas.openxmlformats.org/presentationml/2006/main">
+  <p:cSld>
+    <p:spTree>
+      <p:nvGrpSpPr>
+        <p:cNvPr id="1" name=""/>
+        <p:cNvGrpSpPr/>
+        <p:nvPr/>
+      </p:nvGrpSpPr>
+      <p:grpSpPr>
+        <a:xfrm>
+          <a:off x="0" y="0"/>
+          <a:ext cx="0" cy="0"/>
+          <a:chOff x="0" y="0"/>
+          <a:chExt cx="0" cy="0"/>
+        </a:xfrm>
+      </p:grpSpPr>
+      <mc:AlternateContent xmlns:mc="http://schemas.openxmlformats.org/markup-compatibility/2006" xmlns:a14="http://schemas.microsoft.com/office/drawing/2010/main">
+        <mc:Choice Requires="a14">
+          <p:sp>
+            <p:nvSpPr>
+              <p:cNvPr id="2" name="标题 1">
+                <a:extLst>
+                  <a:ext uri="{FF2B5EF4-FFF2-40B4-BE49-F238E27FC236}">
+                    <a16:creationId xmlns:a16="http://schemas.microsoft.com/office/drawing/2014/main" id="{BDF09891-7F83-4613-BD4A-18E07F5E46AD}"/>
+                  </a:ext>
+                </a:extLst>
+              </p:cNvPr>
+              <p:cNvSpPr>
+                <a:spLocks noGrp="1"/>
+              </p:cNvSpPr>
+              <p:nvPr>
+                <p:ph type="title"/>
+              </p:nvPr>
+            </p:nvSpPr>
+            <p:spPr/>
+            <p:txBody>
+              <a:bodyPr/>
+              <a:lstStyle/>
+              <a:p>
+                <a:r>
+                  <a:rPr lang="en-US" altLang="zh-CN" dirty="0"/>
+                  <a:t>Convert </a:t>
+                </a:r>
+                <a14:m>
+                  <m:oMath xmlns:m="http://schemas.openxmlformats.org/officeDocument/2006/math">
+                    <m:sSub>
+                      <m:sSubPr>
+                        <m:ctrlPr>
+                          <a:rPr lang="en-US" altLang="zh-CN" b="0" i="1" smtClean="0">
+                            <a:latin typeface="Cambria Math" panose="02040503050406030204" pitchFamily="18" charset="0"/>
+                          </a:rPr>
+                        </m:ctrlPr>
+                      </m:sSubPr>
+                      <m:e>
+                        <m:r>
+                          <a:rPr lang="en-US" altLang="zh-CN" b="0" i="1" smtClean="0">
+                            <a:latin typeface="Cambria Math" panose="02040503050406030204" pitchFamily="18" charset="0"/>
+                          </a:rPr>
+                          <m:t>𝑘</m:t>
+                        </m:r>
+                      </m:e>
+                      <m:sub>
+                        <m:r>
+                          <m:rPr>
+                            <m:sty m:val="p"/>
+                          </m:rPr>
+                          <a:rPr lang="en-US" altLang="zh-CN" b="0" i="0" smtClean="0">
+                            <a:latin typeface="Cambria Math" panose="02040503050406030204" pitchFamily="18" charset="0"/>
+                          </a:rPr>
+                          <m:t>Γ</m:t>
+                        </m:r>
+                      </m:sub>
+                    </m:sSub>
+                  </m:oMath>
+                </a14:m>
+                <a:r>
+                  <a:rPr lang="en-US" altLang="zh-CN" dirty="0"/>
+                  <a:t> to </a:t>
+                </a:r>
+                <a14:m>
+                  <m:oMath xmlns:m="http://schemas.openxmlformats.org/officeDocument/2006/math">
+                    <m:r>
+                      <a:rPr lang="en-US" altLang="zh-CN" b="0" i="1" smtClean="0">
+                        <a:latin typeface="Cambria Math" panose="02040503050406030204" pitchFamily="18" charset="0"/>
+                      </a:rPr>
+                      <m:t>𝐵</m:t>
+                    </m:r>
+                    <m:sSub>
+                      <m:sSubPr>
+                        <m:ctrlPr>
+                          <a:rPr lang="en-US" altLang="zh-CN" b="0" i="1" smtClean="0">
+                            <a:latin typeface="Cambria Math" panose="02040503050406030204" pitchFamily="18" charset="0"/>
+                          </a:rPr>
+                        </m:ctrlPr>
+                      </m:sSubPr>
+                      <m:e>
+                        <m:r>
+                          <a:rPr lang="en-US" altLang="zh-CN" b="0" i="1" smtClean="0">
+                            <a:latin typeface="Cambria Math" panose="02040503050406030204" pitchFamily="18" charset="0"/>
+                          </a:rPr>
+                          <m:t>𝑅</m:t>
+                        </m:r>
+                      </m:e>
+                      <m:sub>
+                        <m:r>
+                          <a:rPr lang="en-US" altLang="zh-CN" b="0" i="1" smtClean="0">
+                            <a:latin typeface="Cambria Math" panose="02040503050406030204" pitchFamily="18" charset="0"/>
+                          </a:rPr>
+                          <m:t>𝐵𝑆𝑀</m:t>
+                        </m:r>
+                      </m:sub>
+                    </m:sSub>
+                  </m:oMath>
+                </a14:m>
+                <a:endParaRPr lang="zh-CN" altLang="en-US" dirty="0"/>
+              </a:p>
+            </p:txBody>
+          </p:sp>
+        </mc:Choice>
+        <mc:Fallback xmlns="">
+          <p:sp>
+            <p:nvSpPr>
+              <p:cNvPr id="2" name="标题 1">
+                <a:extLst>
+                  <a:ext uri="{FF2B5EF4-FFF2-40B4-BE49-F238E27FC236}">
+                    <a16:creationId xmlns:a16="http://schemas.microsoft.com/office/drawing/2014/main" id="{BDF09891-7F83-4613-BD4A-18E07F5E46AD}"/>
+                  </a:ext>
+                </a:extLst>
+              </p:cNvPr>
+              <p:cNvSpPr>
+                <a:spLocks noGrp="1" noRot="1" noChangeAspect="1" noMove="1" noResize="1" noEditPoints="1" noAdjustHandles="1" noChangeArrowheads="1" noChangeShapeType="1" noTextEdit="1"/>
+              </p:cNvSpPr>
+              <p:nvPr>
+                <p:ph type="title"/>
+              </p:nvPr>
+            </p:nvSpPr>
+            <p:spPr>
+              <a:blipFill>
+                <a:blip r:embed="rId2"/>
+                <a:stretch>
+                  <a:fillRect l="-2377"/>
+                </a:stretch>
+              </a:blipFill>
+            </p:spPr>
+            <p:txBody>
+              <a:bodyPr/>
+              <a:lstStyle/>
+              <a:p>
+                <a:r>
+                  <a:rPr lang="zh-CN" altLang="en-US">
+                    <a:noFill/>
+                  </a:rPr>
+                  <a:t> </a:t>
+                </a:r>
+              </a:p>
+            </p:txBody>
+          </p:sp>
+        </mc:Fallback>
+      </mc:AlternateContent>
+      <mc:AlternateContent xmlns:mc="http://schemas.openxmlformats.org/markup-compatibility/2006" xmlns:a14="http://schemas.microsoft.com/office/drawing/2010/main">
+        <mc:Choice Requires="a14">
+          <p:sp>
+            <p:nvSpPr>
+              <p:cNvPr id="3" name="内容占位符 2">
+                <a:extLst>
+                  <a:ext uri="{FF2B5EF4-FFF2-40B4-BE49-F238E27FC236}">
+                    <a16:creationId xmlns:a16="http://schemas.microsoft.com/office/drawing/2014/main" id="{E159EDDD-CCDE-416E-A199-FE95B4609C06}"/>
+                  </a:ext>
+                </a:extLst>
+              </p:cNvPr>
+              <p:cNvSpPr>
+                <a:spLocks noGrp="1"/>
+              </p:cNvSpPr>
+              <p:nvPr>
+                <p:ph idx="1"/>
+              </p:nvPr>
+            </p:nvSpPr>
+            <p:spPr>
+              <a:xfrm>
+                <a:off x="838200" y="2004734"/>
+                <a:ext cx="10515600" cy="2689814"/>
+              </a:xfrm>
+            </p:spPr>
+            <p:txBody>
+              <a:bodyPr/>
+              <a:lstStyle/>
+              <a:p>
+                <a14:m>
+                  <m:oMath xmlns:m="http://schemas.openxmlformats.org/officeDocument/2006/math">
+                    <m:r>
+                      <a:rPr lang="en-US" altLang="zh-CN" b="0" i="1" smtClean="0">
+                        <a:latin typeface="Cambria Math" panose="02040503050406030204" pitchFamily="18" charset="0"/>
+                      </a:rPr>
+                      <m:t>𝐵</m:t>
+                    </m:r>
+                    <m:sSub>
+                      <m:sSubPr>
+                        <m:ctrlPr>
+                          <a:rPr lang="en-US" altLang="zh-CN" b="0" i="1" smtClean="0">
+                            <a:latin typeface="Cambria Math" panose="02040503050406030204" pitchFamily="18" charset="0"/>
+                          </a:rPr>
+                        </m:ctrlPr>
+                      </m:sSubPr>
+                      <m:e>
+                        <m:r>
+                          <a:rPr lang="en-US" altLang="zh-CN" b="0" i="1" smtClean="0">
+                            <a:latin typeface="Cambria Math" panose="02040503050406030204" pitchFamily="18" charset="0"/>
+                          </a:rPr>
+                          <m:t>𝑅</m:t>
+                        </m:r>
+                      </m:e>
+                      <m:sub>
+                        <m:r>
+                          <a:rPr lang="en-US" altLang="zh-CN" b="0" i="1" smtClean="0">
+                            <a:latin typeface="Cambria Math" panose="02040503050406030204" pitchFamily="18" charset="0"/>
+                          </a:rPr>
+                          <m:t>𝐵𝑆𝑀</m:t>
+                        </m:r>
+                      </m:sub>
+                    </m:sSub>
+                    <m:r>
+                      <a:rPr lang="en-US" altLang="zh-CN" b="0" i="1" smtClean="0">
+                        <a:latin typeface="Cambria Math" panose="02040503050406030204" pitchFamily="18" charset="0"/>
+                      </a:rPr>
+                      <m:t>=</m:t>
+                    </m:r>
+                    <m:f>
+                      <m:fPr>
+                        <m:ctrlPr>
+                          <a:rPr lang="en-US" altLang="zh-CN" b="0" i="1" smtClean="0">
+                            <a:latin typeface="Cambria Math" panose="02040503050406030204" pitchFamily="18" charset="0"/>
+                          </a:rPr>
+                        </m:ctrlPr>
+                      </m:fPr>
+                      <m:num>
+                        <m:r>
+                          <m:rPr>
+                            <m:sty m:val="p"/>
+                          </m:rPr>
+                          <a:rPr lang="en-US" altLang="zh-CN" b="0" i="0" smtClean="0">
+                            <a:latin typeface="Cambria Math" panose="02040503050406030204" pitchFamily="18" charset="0"/>
+                          </a:rPr>
+                          <m:t>Γ</m:t>
+                        </m:r>
+                        <m:r>
+                          <a:rPr lang="en-US" altLang="zh-CN" b="0" i="1" smtClean="0">
+                            <a:latin typeface="Cambria Math" panose="02040503050406030204" pitchFamily="18" charset="0"/>
+                          </a:rPr>
+                          <m:t>−∑</m:t>
+                        </m:r>
+                        <m:sSub>
+                          <m:sSubPr>
+                            <m:ctrlPr>
+                              <a:rPr lang="en-US" altLang="zh-CN" b="0" i="1" smtClean="0">
+                                <a:latin typeface="Cambria Math" panose="02040503050406030204" pitchFamily="18" charset="0"/>
+                              </a:rPr>
+                            </m:ctrlPr>
+                          </m:sSubPr>
+                          <m:e>
+                            <m:r>
+                              <a:rPr lang="en-US" altLang="zh-CN" b="0" i="0" smtClean="0">
+                                <a:latin typeface="Cambria Math" panose="02040503050406030204" pitchFamily="18" charset="0"/>
+                              </a:rPr>
+                              <m:t> </m:t>
+                            </m:r>
+                            <m:r>
+                              <m:rPr>
+                                <m:sty m:val="p"/>
+                              </m:rPr>
+                              <a:rPr lang="en-US" altLang="zh-CN" b="0" i="0" smtClean="0">
+                                <a:latin typeface="Cambria Math" panose="02040503050406030204" pitchFamily="18" charset="0"/>
+                              </a:rPr>
+                              <m:t>Γ</m:t>
+                            </m:r>
+                          </m:e>
+                          <m:sub>
+                            <m:r>
+                              <a:rPr lang="en-US" altLang="zh-CN" b="0" i="1" smtClean="0">
+                                <a:latin typeface="Cambria Math" panose="02040503050406030204" pitchFamily="18" charset="0"/>
+                              </a:rPr>
+                              <m:t>𝑖</m:t>
+                            </m:r>
+                          </m:sub>
+                        </m:sSub>
+                        <m:sSubSup>
+                          <m:sSubSupPr>
+                            <m:ctrlPr>
+                              <a:rPr lang="en-US" altLang="zh-CN" b="0" i="1" smtClean="0">
+                                <a:latin typeface="Cambria Math" panose="02040503050406030204" pitchFamily="18" charset="0"/>
+                              </a:rPr>
+                            </m:ctrlPr>
+                          </m:sSubSupPr>
+                          <m:e>
+                            <m:r>
+                              <a:rPr lang="en-US" altLang="zh-CN" b="0" i="1" smtClean="0">
+                                <a:latin typeface="Cambria Math" panose="02040503050406030204" pitchFamily="18" charset="0"/>
+                              </a:rPr>
+                              <m:t>𝑘</m:t>
+                            </m:r>
+                          </m:e>
+                          <m:sub>
+                            <m:r>
+                              <a:rPr lang="en-US" altLang="zh-CN" b="0" i="1" smtClean="0">
+                                <a:latin typeface="Cambria Math" panose="02040503050406030204" pitchFamily="18" charset="0"/>
+                              </a:rPr>
+                              <m:t>𝑖</m:t>
+                            </m:r>
+                          </m:sub>
+                          <m:sup>
+                            <m:r>
+                              <a:rPr lang="en-US" altLang="zh-CN" b="0" i="1" smtClean="0">
+                                <a:latin typeface="Cambria Math" panose="02040503050406030204" pitchFamily="18" charset="0"/>
+                              </a:rPr>
+                              <m:t>2</m:t>
+                            </m:r>
+                          </m:sup>
+                        </m:sSubSup>
+                        <m:r>
+                          <a:rPr lang="en-US" altLang="zh-CN" b="0" i="1" smtClean="0">
+                            <a:latin typeface="Cambria Math" panose="02040503050406030204" pitchFamily="18" charset="0"/>
+                          </a:rPr>
+                          <m:t>−</m:t>
+                        </m:r>
+                        <m:sSub>
+                          <m:sSubPr>
+                            <m:ctrlPr>
+                              <a:rPr lang="en-US" altLang="zh-CN" b="0" i="1" smtClean="0">
+                                <a:latin typeface="Cambria Math" panose="02040503050406030204" pitchFamily="18" charset="0"/>
+                              </a:rPr>
+                            </m:ctrlPr>
+                          </m:sSubPr>
+                          <m:e>
+                            <m:r>
+                              <m:rPr>
+                                <m:sty m:val="p"/>
+                              </m:rPr>
+                              <a:rPr lang="en-US" altLang="zh-CN" b="0" i="0" smtClean="0">
+                                <a:latin typeface="Cambria Math" panose="02040503050406030204" pitchFamily="18" charset="0"/>
+                              </a:rPr>
+                              <m:t>Γ</m:t>
+                            </m:r>
+                          </m:e>
+                          <m:sub>
+                            <m:r>
+                              <a:rPr lang="en-US" altLang="zh-CN" b="0" i="1" smtClean="0">
+                                <a:latin typeface="Cambria Math" panose="02040503050406030204" pitchFamily="18" charset="0"/>
+                              </a:rPr>
+                              <m:t>𝑖𝑛𝑣</m:t>
+                            </m:r>
+                          </m:sub>
+                        </m:sSub>
+                      </m:num>
+                      <m:den>
+                        <m:r>
+                          <m:rPr>
+                            <m:sty m:val="p"/>
+                          </m:rPr>
+                          <a:rPr lang="en-US" altLang="zh-CN" b="0" i="0" smtClean="0">
+                            <a:latin typeface="Cambria Math" panose="02040503050406030204" pitchFamily="18" charset="0"/>
+                          </a:rPr>
+                          <m:t>Γ</m:t>
+                        </m:r>
+                      </m:den>
+                    </m:f>
+                    <m:r>
+                      <a:rPr lang="en-US" altLang="zh-CN" b="0" i="1" smtClean="0">
+                        <a:latin typeface="Cambria Math" panose="02040503050406030204" pitchFamily="18" charset="0"/>
+                      </a:rPr>
+                      <m:t>=1−</m:t>
+                    </m:r>
+                    <m:f>
+                      <m:fPr>
+                        <m:ctrlPr>
+                          <a:rPr lang="en-US" altLang="zh-CN" b="0" i="1" smtClean="0">
+                            <a:latin typeface="Cambria Math" panose="02040503050406030204" pitchFamily="18" charset="0"/>
+                          </a:rPr>
+                        </m:ctrlPr>
+                      </m:fPr>
+                      <m:num>
+                        <m:r>
+                          <a:rPr lang="en-US" altLang="zh-CN" b="0" i="1" smtClean="0">
+                            <a:latin typeface="Cambria Math" panose="02040503050406030204" pitchFamily="18" charset="0"/>
+                          </a:rPr>
+                          <m:t>1</m:t>
+                        </m:r>
+                      </m:num>
+                      <m:den>
+                        <m:r>
+                          <m:rPr>
+                            <m:sty m:val="p"/>
+                          </m:rPr>
+                          <a:rPr lang="en-US" altLang="zh-CN" b="0" i="0" smtClean="0">
+                            <a:latin typeface="Cambria Math" panose="02040503050406030204" pitchFamily="18" charset="0"/>
+                          </a:rPr>
+                          <m:t>Γ</m:t>
+                        </m:r>
+                      </m:den>
+                    </m:f>
+                    <m:r>
+                      <a:rPr lang="en-US" altLang="zh-CN" b="0" i="1" smtClean="0">
+                        <a:latin typeface="Cambria Math" panose="02040503050406030204" pitchFamily="18" charset="0"/>
+                      </a:rPr>
+                      <m:t>∑</m:t>
+                    </m:r>
+                    <m:sSub>
+                      <m:sSubPr>
+                        <m:ctrlPr>
+                          <a:rPr lang="en-US" altLang="zh-CN" i="1">
+                            <a:latin typeface="Cambria Math" panose="02040503050406030204" pitchFamily="18" charset="0"/>
+                          </a:rPr>
+                        </m:ctrlPr>
+                      </m:sSubPr>
+                      <m:e>
+                        <m:r>
+                          <a:rPr lang="en-US" altLang="zh-CN">
+                            <a:latin typeface="Cambria Math" panose="02040503050406030204" pitchFamily="18" charset="0"/>
+                          </a:rPr>
+                          <m:t> </m:t>
+                        </m:r>
+                        <m:r>
+                          <m:rPr>
+                            <m:sty m:val="p"/>
+                          </m:rPr>
+                          <a:rPr lang="en-US" altLang="zh-CN">
+                            <a:latin typeface="Cambria Math" panose="02040503050406030204" pitchFamily="18" charset="0"/>
+                          </a:rPr>
+                          <m:t>Γ</m:t>
+                        </m:r>
+                      </m:e>
+                      <m:sub>
+                        <m:r>
+                          <a:rPr lang="en-US" altLang="zh-CN" i="1">
+                            <a:latin typeface="Cambria Math" panose="02040503050406030204" pitchFamily="18" charset="0"/>
+                          </a:rPr>
+                          <m:t>𝑖</m:t>
+                        </m:r>
+                      </m:sub>
+                    </m:sSub>
+                    <m:sSubSup>
+                      <m:sSubSupPr>
+                        <m:ctrlPr>
+                          <a:rPr lang="en-US" altLang="zh-CN" i="1">
+                            <a:latin typeface="Cambria Math" panose="02040503050406030204" pitchFamily="18" charset="0"/>
+                          </a:rPr>
+                        </m:ctrlPr>
+                      </m:sSubSupPr>
+                      <m:e>
+                        <m:r>
+                          <a:rPr lang="en-US" altLang="zh-CN" i="1">
+                            <a:latin typeface="Cambria Math" panose="02040503050406030204" pitchFamily="18" charset="0"/>
+                          </a:rPr>
+                          <m:t>𝑘</m:t>
+                        </m:r>
+                      </m:e>
+                      <m:sub>
+                        <m:r>
+                          <a:rPr lang="en-US" altLang="zh-CN" i="1">
+                            <a:latin typeface="Cambria Math" panose="02040503050406030204" pitchFamily="18" charset="0"/>
+                          </a:rPr>
+                          <m:t>𝑖</m:t>
+                        </m:r>
+                      </m:sub>
+                      <m:sup>
+                        <m:r>
+                          <a:rPr lang="en-US" altLang="zh-CN" i="1">
+                            <a:latin typeface="Cambria Math" panose="02040503050406030204" pitchFamily="18" charset="0"/>
+                          </a:rPr>
+                          <m:t>2</m:t>
+                        </m:r>
+                      </m:sup>
+                    </m:sSubSup>
+                    <m:r>
+                      <a:rPr lang="en-US" altLang="zh-CN" b="0" i="1" smtClean="0">
+                        <a:latin typeface="Cambria Math" panose="02040503050406030204" pitchFamily="18" charset="0"/>
+                      </a:rPr>
+                      <m:t>−</m:t>
+                    </m:r>
+                    <m:r>
+                      <a:rPr lang="en-US" altLang="zh-CN" b="0" i="1" smtClean="0">
+                        <a:latin typeface="Cambria Math" panose="02040503050406030204" pitchFamily="18" charset="0"/>
+                      </a:rPr>
+                      <m:t>𝐵</m:t>
+                    </m:r>
+                    <m:sSub>
+                      <m:sSubPr>
+                        <m:ctrlPr>
+                          <a:rPr lang="en-US" altLang="zh-CN" b="0" i="1" smtClean="0">
+                            <a:latin typeface="Cambria Math" panose="02040503050406030204" pitchFamily="18" charset="0"/>
+                          </a:rPr>
+                        </m:ctrlPr>
+                      </m:sSubPr>
+                      <m:e>
+                        <m:r>
+                          <a:rPr lang="en-US" altLang="zh-CN" b="0" i="1" smtClean="0">
+                            <a:latin typeface="Cambria Math" panose="02040503050406030204" pitchFamily="18" charset="0"/>
+                          </a:rPr>
+                          <m:t>𝑅</m:t>
+                        </m:r>
+                      </m:e>
+                      <m:sub>
+                        <m:r>
+                          <a:rPr lang="en-US" altLang="zh-CN" b="0" i="1" smtClean="0">
+                            <a:latin typeface="Cambria Math" panose="02040503050406030204" pitchFamily="18" charset="0"/>
+                          </a:rPr>
+                          <m:t>𝑖𝑛𝑣</m:t>
+                        </m:r>
+                      </m:sub>
+                    </m:sSub>
+                  </m:oMath>
+                </a14:m>
+                <a:endParaRPr lang="en-US" altLang="zh-CN" dirty="0"/>
+              </a:p>
+              <a:p>
+                <a14:m>
+                  <m:oMath xmlns:m="http://schemas.openxmlformats.org/officeDocument/2006/math">
+                    <m:r>
+                      <m:rPr>
+                        <m:sty m:val="p"/>
+                      </m:rPr>
+                      <a:rPr lang="en-US" altLang="zh-CN" b="0" i="0" smtClean="0">
+                        <a:latin typeface="Cambria Math" panose="02040503050406030204" pitchFamily="18" charset="0"/>
+                      </a:rPr>
+                      <m:t>Γ</m:t>
+                    </m:r>
+                    <m:r>
+                      <a:rPr lang="en-US" altLang="zh-CN" b="0" i="1" smtClean="0">
+                        <a:latin typeface="Cambria Math" panose="02040503050406030204" pitchFamily="18" charset="0"/>
+                      </a:rPr>
+                      <m:t>=</m:t>
+                    </m:r>
+                  </m:oMath>
+                </a14:m>
+                <a:r>
+                  <a:rPr lang="en-US" altLang="zh-CN" dirty="0"/>
+                  <a:t> </a:t>
+                </a:r>
+                <a14:m>
+                  <m:oMath xmlns:m="http://schemas.openxmlformats.org/officeDocument/2006/math">
+                    <m:f>
+                      <m:fPr>
+                        <m:ctrlPr>
+                          <a:rPr lang="en-US" altLang="zh-CN" i="1">
+                            <a:latin typeface="Cambria Math" panose="02040503050406030204" pitchFamily="18" charset="0"/>
+                          </a:rPr>
+                        </m:ctrlPr>
+                      </m:fPr>
+                      <m:num>
+                        <m:r>
+                          <a:rPr lang="en-US" altLang="zh-CN" i="1">
+                            <a:latin typeface="Cambria Math" panose="02040503050406030204" pitchFamily="18" charset="0"/>
+                          </a:rPr>
+                          <m:t>∑</m:t>
+                        </m:r>
+                        <m:sSub>
+                          <m:sSubPr>
+                            <m:ctrlPr>
+                              <a:rPr lang="en-US" altLang="zh-CN" i="1">
+                                <a:latin typeface="Cambria Math" panose="02040503050406030204" pitchFamily="18" charset="0"/>
+                              </a:rPr>
+                            </m:ctrlPr>
+                          </m:sSubPr>
+                          <m:e>
+                            <m:r>
+                              <a:rPr lang="en-US" altLang="zh-CN">
+                                <a:latin typeface="Cambria Math" panose="02040503050406030204" pitchFamily="18" charset="0"/>
+                              </a:rPr>
+                              <m:t> </m:t>
+                            </m:r>
+                            <m:r>
+                              <m:rPr>
+                                <m:sty m:val="p"/>
+                              </m:rPr>
+                              <a:rPr lang="en-US" altLang="zh-CN">
+                                <a:latin typeface="Cambria Math" panose="02040503050406030204" pitchFamily="18" charset="0"/>
+                              </a:rPr>
+                              <m:t>Γ</m:t>
+                            </m:r>
+                          </m:e>
+                          <m:sub>
+                            <m:r>
+                              <a:rPr lang="en-US" altLang="zh-CN" i="1">
+                                <a:latin typeface="Cambria Math" panose="02040503050406030204" pitchFamily="18" charset="0"/>
+                              </a:rPr>
+                              <m:t>𝑖</m:t>
+                            </m:r>
+                          </m:sub>
+                        </m:sSub>
+                        <m:sSubSup>
+                          <m:sSubSupPr>
+                            <m:ctrlPr>
+                              <a:rPr lang="en-US" altLang="zh-CN" i="1">
+                                <a:latin typeface="Cambria Math" panose="02040503050406030204" pitchFamily="18" charset="0"/>
+                              </a:rPr>
+                            </m:ctrlPr>
+                          </m:sSubSupPr>
+                          <m:e>
+                            <m:r>
+                              <a:rPr lang="en-US" altLang="zh-CN" i="1">
+                                <a:latin typeface="Cambria Math" panose="02040503050406030204" pitchFamily="18" charset="0"/>
+                              </a:rPr>
+                              <m:t>𝑘</m:t>
+                            </m:r>
+                          </m:e>
+                          <m:sub>
+                            <m:r>
+                              <a:rPr lang="en-US" altLang="zh-CN" i="1">
+                                <a:latin typeface="Cambria Math" panose="02040503050406030204" pitchFamily="18" charset="0"/>
+                              </a:rPr>
+                              <m:t>𝑖</m:t>
+                            </m:r>
+                          </m:sub>
+                          <m:sup>
+                            <m:r>
+                              <a:rPr lang="en-US" altLang="zh-CN" i="1">
+                                <a:latin typeface="Cambria Math" panose="02040503050406030204" pitchFamily="18" charset="0"/>
+                              </a:rPr>
+                              <m:t>2</m:t>
+                            </m:r>
+                          </m:sup>
+                        </m:sSubSup>
+                      </m:num>
+                      <m:den>
+                        <m:r>
+                          <a:rPr lang="en-US" altLang="zh-CN" b="0" i="0" smtClean="0">
+                            <a:latin typeface="Cambria Math" panose="02040503050406030204" pitchFamily="18" charset="0"/>
+                          </a:rPr>
+                          <m:t>1−</m:t>
+                        </m:r>
+                        <m:sSub>
+                          <m:sSubPr>
+                            <m:ctrlPr>
+                              <a:rPr lang="en-US" altLang="zh-CN" b="0" i="1" smtClean="0">
+                                <a:latin typeface="Cambria Math" panose="02040503050406030204" pitchFamily="18" charset="0"/>
+                              </a:rPr>
+                            </m:ctrlPr>
+                          </m:sSubPr>
+                          <m:e>
+                            <m:r>
+                              <m:rPr>
+                                <m:sty m:val="p"/>
+                              </m:rPr>
+                              <a:rPr lang="en-US" altLang="zh-CN" b="0" i="0" smtClean="0">
+                                <a:latin typeface="Cambria Math" panose="02040503050406030204" pitchFamily="18" charset="0"/>
+                              </a:rPr>
+                              <m:t>BR</m:t>
+                            </m:r>
+                          </m:e>
+                          <m:sub>
+                            <m:r>
+                              <m:rPr>
+                                <m:sty m:val="p"/>
+                              </m:rPr>
+                              <a:rPr lang="en-US" altLang="zh-CN" b="0" i="0" smtClean="0">
+                                <a:latin typeface="Cambria Math" panose="02040503050406030204" pitchFamily="18" charset="0"/>
+                              </a:rPr>
+                              <m:t>BSM</m:t>
+                            </m:r>
+                          </m:sub>
+                        </m:sSub>
+                        <m:r>
+                          <a:rPr lang="en-US" altLang="zh-CN" b="0" i="0" smtClean="0">
+                            <a:latin typeface="Cambria Math" panose="02040503050406030204" pitchFamily="18" charset="0"/>
+                          </a:rPr>
+                          <m:t>−</m:t>
+                        </m:r>
+                        <m:sSub>
+                          <m:sSubPr>
+                            <m:ctrlPr>
+                              <a:rPr lang="en-US" altLang="zh-CN" b="0" i="1" smtClean="0">
+                                <a:latin typeface="Cambria Math" panose="02040503050406030204" pitchFamily="18" charset="0"/>
+                              </a:rPr>
+                            </m:ctrlPr>
+                          </m:sSubPr>
+                          <m:e>
+                            <m:r>
+                              <m:rPr>
+                                <m:sty m:val="p"/>
+                              </m:rPr>
+                              <a:rPr lang="en-US" altLang="zh-CN" b="0" i="0" smtClean="0">
+                                <a:latin typeface="Cambria Math" panose="02040503050406030204" pitchFamily="18" charset="0"/>
+                              </a:rPr>
+                              <m:t>BR</m:t>
+                            </m:r>
+                          </m:e>
+                          <m:sub>
+                            <m:r>
+                              <m:rPr>
+                                <m:sty m:val="p"/>
+                              </m:rPr>
+                              <a:rPr lang="en-US" altLang="zh-CN" b="0" i="0" smtClean="0">
+                                <a:latin typeface="Cambria Math" panose="02040503050406030204" pitchFamily="18" charset="0"/>
+                              </a:rPr>
+                              <m:t>inv</m:t>
+                            </m:r>
+                          </m:sub>
+                        </m:sSub>
+                      </m:den>
+                    </m:f>
+                  </m:oMath>
+                </a14:m>
+                <a:r>
+                  <a:rPr lang="en-US" altLang="zh-CN" dirty="0"/>
+                  <a:t>    </a:t>
+                </a:r>
+                <a14:m>
+                  <m:oMath xmlns:m="http://schemas.openxmlformats.org/officeDocument/2006/math">
+                    <m:sSub>
+                      <m:sSubPr>
+                        <m:ctrlPr>
+                          <a:rPr lang="en-US" altLang="zh-CN" b="0" i="1" dirty="0" smtClean="0">
+                            <a:solidFill>
+                              <a:srgbClr val="FF0000"/>
+                            </a:solidFill>
+                            <a:latin typeface="Cambria Math" panose="02040503050406030204" pitchFamily="18" charset="0"/>
+                          </a:rPr>
+                        </m:ctrlPr>
+                      </m:sSubPr>
+                      <m:e>
+                        <m:r>
+                          <a:rPr lang="en-US" altLang="zh-CN" b="0" i="1" dirty="0" smtClean="0">
+                            <a:solidFill>
+                              <a:srgbClr val="FF0000"/>
+                            </a:solidFill>
+                            <a:latin typeface="Cambria Math" panose="02040503050406030204" pitchFamily="18" charset="0"/>
+                          </a:rPr>
+                          <m:t>𝑘</m:t>
+                        </m:r>
+                      </m:e>
+                      <m:sub>
+                        <m:r>
+                          <m:rPr>
+                            <m:sty m:val="p"/>
+                          </m:rPr>
+                          <a:rPr lang="en-US" altLang="zh-CN" b="0" i="0" dirty="0" smtClean="0">
+                            <a:solidFill>
+                              <a:srgbClr val="FF0000"/>
+                            </a:solidFill>
+                            <a:latin typeface="Cambria Math" panose="02040503050406030204" pitchFamily="18" charset="0"/>
+                          </a:rPr>
+                          <m:t>Γ</m:t>
+                        </m:r>
+                      </m:sub>
+                    </m:sSub>
+                    <m:r>
+                      <a:rPr lang="en-US" altLang="zh-CN" b="0" i="1" dirty="0" smtClean="0">
+                        <a:latin typeface="Cambria Math" panose="02040503050406030204" pitchFamily="18" charset="0"/>
+                      </a:rPr>
+                      <m:t>=</m:t>
+                    </m:r>
+                    <m:f>
+                      <m:fPr>
+                        <m:ctrlPr>
+                          <a:rPr lang="en-US" altLang="zh-CN" i="1">
+                            <a:latin typeface="Cambria Math" panose="02040503050406030204" pitchFamily="18" charset="0"/>
+                          </a:rPr>
+                        </m:ctrlPr>
+                      </m:fPr>
+                      <m:num>
+                        <m:r>
+                          <a:rPr lang="en-US" altLang="zh-CN" i="1">
+                            <a:latin typeface="Cambria Math" panose="02040503050406030204" pitchFamily="18" charset="0"/>
+                          </a:rPr>
+                          <m:t>∑</m:t>
+                        </m:r>
+                        <m:sSub>
+                          <m:sSubPr>
+                            <m:ctrlPr>
+                              <a:rPr lang="en-US" altLang="zh-CN" i="1">
+                                <a:latin typeface="Cambria Math" panose="02040503050406030204" pitchFamily="18" charset="0"/>
+                              </a:rPr>
+                            </m:ctrlPr>
+                          </m:sSubPr>
+                          <m:e>
+                            <m:r>
+                              <a:rPr lang="en-US" altLang="zh-CN">
+                                <a:latin typeface="Cambria Math" panose="02040503050406030204" pitchFamily="18" charset="0"/>
+                              </a:rPr>
+                              <m:t> </m:t>
+                            </m:r>
+                            <m:r>
+                              <a:rPr lang="en-US" altLang="zh-CN" b="0" i="1" smtClean="0">
+                                <a:latin typeface="Cambria Math" panose="02040503050406030204" pitchFamily="18" charset="0"/>
+                              </a:rPr>
+                              <m:t>𝐵𝑅</m:t>
+                            </m:r>
+                          </m:e>
+                          <m:sub>
+                            <m:r>
+                              <a:rPr lang="en-US" altLang="zh-CN" i="1">
+                                <a:latin typeface="Cambria Math" panose="02040503050406030204" pitchFamily="18" charset="0"/>
+                              </a:rPr>
+                              <m:t>𝑖</m:t>
+                            </m:r>
+                          </m:sub>
+                        </m:sSub>
+                        <m:sSubSup>
+                          <m:sSubSupPr>
+                            <m:ctrlPr>
+                              <a:rPr lang="en-US" altLang="zh-CN" i="1">
+                                <a:latin typeface="Cambria Math" panose="02040503050406030204" pitchFamily="18" charset="0"/>
+                              </a:rPr>
+                            </m:ctrlPr>
+                          </m:sSubSupPr>
+                          <m:e>
+                            <m:r>
+                              <a:rPr lang="en-US" altLang="zh-CN" i="1">
+                                <a:latin typeface="Cambria Math" panose="02040503050406030204" pitchFamily="18" charset="0"/>
+                              </a:rPr>
+                              <m:t>𝑘</m:t>
+                            </m:r>
+                          </m:e>
+                          <m:sub>
+                            <m:r>
+                              <a:rPr lang="en-US" altLang="zh-CN" i="1">
+                                <a:latin typeface="Cambria Math" panose="02040503050406030204" pitchFamily="18" charset="0"/>
+                              </a:rPr>
+                              <m:t>𝑖</m:t>
+                            </m:r>
+                          </m:sub>
+                          <m:sup>
+                            <m:r>
+                              <a:rPr lang="en-US" altLang="zh-CN" i="1">
+                                <a:latin typeface="Cambria Math" panose="02040503050406030204" pitchFamily="18" charset="0"/>
+                              </a:rPr>
+                              <m:t>2</m:t>
+                            </m:r>
+                          </m:sup>
+                        </m:sSubSup>
+                      </m:num>
+                      <m:den>
+                        <m:r>
+                          <a:rPr lang="en-US" altLang="zh-CN">
+                            <a:latin typeface="Cambria Math" panose="02040503050406030204" pitchFamily="18" charset="0"/>
+                          </a:rPr>
+                          <m:t>1−</m:t>
+                        </m:r>
+                        <m:sSub>
+                          <m:sSubPr>
+                            <m:ctrlPr>
+                              <a:rPr lang="en-US" altLang="zh-CN" i="1">
+                                <a:latin typeface="Cambria Math" panose="02040503050406030204" pitchFamily="18" charset="0"/>
+                              </a:rPr>
+                            </m:ctrlPr>
+                          </m:sSubPr>
+                          <m:e>
+                            <m:r>
+                              <m:rPr>
+                                <m:sty m:val="p"/>
+                              </m:rPr>
+                              <a:rPr lang="en-US" altLang="zh-CN">
+                                <a:latin typeface="Cambria Math" panose="02040503050406030204" pitchFamily="18" charset="0"/>
+                              </a:rPr>
+                              <m:t>BR</m:t>
+                            </m:r>
+                          </m:e>
+                          <m:sub>
+                            <m:r>
+                              <m:rPr>
+                                <m:sty m:val="p"/>
+                              </m:rPr>
+                              <a:rPr lang="en-US" altLang="zh-CN">
+                                <a:latin typeface="Cambria Math" panose="02040503050406030204" pitchFamily="18" charset="0"/>
+                              </a:rPr>
+                              <m:t>BSM</m:t>
+                            </m:r>
+                          </m:sub>
+                        </m:sSub>
+                        <m:r>
+                          <a:rPr lang="en-US" altLang="zh-CN">
+                            <a:latin typeface="Cambria Math" panose="02040503050406030204" pitchFamily="18" charset="0"/>
+                          </a:rPr>
+                          <m:t>−</m:t>
+                        </m:r>
+                        <m:sSub>
+                          <m:sSubPr>
+                            <m:ctrlPr>
+                              <a:rPr lang="en-US" altLang="zh-CN" i="1">
+                                <a:latin typeface="Cambria Math" panose="02040503050406030204" pitchFamily="18" charset="0"/>
+                              </a:rPr>
+                            </m:ctrlPr>
+                          </m:sSubPr>
+                          <m:e>
+                            <m:r>
+                              <m:rPr>
+                                <m:sty m:val="p"/>
+                              </m:rPr>
+                              <a:rPr lang="en-US" altLang="zh-CN">
+                                <a:latin typeface="Cambria Math" panose="02040503050406030204" pitchFamily="18" charset="0"/>
+                              </a:rPr>
+                              <m:t>BR</m:t>
+                            </m:r>
+                          </m:e>
+                          <m:sub>
+                            <m:r>
+                              <m:rPr>
+                                <m:sty m:val="p"/>
+                              </m:rPr>
+                              <a:rPr lang="en-US" altLang="zh-CN">
+                                <a:latin typeface="Cambria Math" panose="02040503050406030204" pitchFamily="18" charset="0"/>
+                              </a:rPr>
+                              <m:t>inv</m:t>
+                            </m:r>
+                          </m:sub>
+                        </m:sSub>
+                      </m:den>
+                    </m:f>
+                  </m:oMath>
+                </a14:m>
+                <a:endParaRPr lang="en-US" altLang="zh-CN" dirty="0"/>
+              </a:p>
+              <a:p>
+                <a14:m>
+                  <m:oMath xmlns:m="http://schemas.openxmlformats.org/officeDocument/2006/math">
+                    <m:sSup>
+                      <m:sSupPr>
+                        <m:ctrlPr>
+                          <a:rPr lang="en-US" altLang="zh-CN" b="0" i="1" smtClean="0">
+                            <a:latin typeface="Cambria Math" panose="02040503050406030204" pitchFamily="18" charset="0"/>
+                          </a:rPr>
+                        </m:ctrlPr>
+                      </m:sSupPr>
+                      <m:e>
+                        <m:r>
+                          <a:rPr lang="en-US" altLang="zh-CN" b="0" i="1" smtClean="0">
+                            <a:latin typeface="Cambria Math" panose="02040503050406030204" pitchFamily="18" charset="0"/>
+                          </a:rPr>
+                          <m:t>𝜒</m:t>
+                        </m:r>
+                      </m:e>
+                      <m:sup>
+                        <m:r>
+                          <a:rPr lang="en-US" altLang="zh-CN" b="0" i="1" smtClean="0">
+                            <a:latin typeface="Cambria Math" panose="02040503050406030204" pitchFamily="18" charset="0"/>
+                          </a:rPr>
+                          <m:t>2</m:t>
+                        </m:r>
+                      </m:sup>
+                    </m:sSup>
+                    <m:r>
+                      <a:rPr lang="en-US" altLang="zh-CN" b="0" i="1" smtClean="0">
+                        <a:latin typeface="Cambria Math" panose="02040503050406030204" pitchFamily="18" charset="0"/>
+                      </a:rPr>
+                      <m:t>=</m:t>
+                    </m:r>
+                    <m:f>
+                      <m:fPr>
+                        <m:ctrlPr>
+                          <a:rPr lang="en-US" altLang="zh-CN" b="0" i="1" smtClean="0">
+                            <a:latin typeface="Cambria Math" panose="02040503050406030204" pitchFamily="18" charset="0"/>
+                          </a:rPr>
+                        </m:ctrlPr>
+                      </m:fPr>
+                      <m:num>
+                        <m:r>
+                          <a:rPr lang="en-US" altLang="zh-CN" b="0" i="1" smtClean="0">
+                            <a:latin typeface="Cambria Math" panose="02040503050406030204" pitchFamily="18" charset="0"/>
+                          </a:rPr>
+                          <m:t>𝑘</m:t>
+                        </m:r>
+                        <m:sSup>
+                          <m:sSupPr>
+                            <m:ctrlPr>
+                              <a:rPr lang="en-US" altLang="zh-CN" b="0" i="1" smtClean="0">
+                                <a:latin typeface="Cambria Math" panose="02040503050406030204" pitchFamily="18" charset="0"/>
+                              </a:rPr>
+                            </m:ctrlPr>
+                          </m:sSupPr>
+                          <m:e>
+                            <m:r>
+                              <a:rPr lang="en-US" altLang="zh-CN" b="0" i="1" smtClean="0">
+                                <a:latin typeface="Cambria Math" panose="02040503050406030204" pitchFamily="18" charset="0"/>
+                              </a:rPr>
+                              <m:t>𝑤</m:t>
+                            </m:r>
+                          </m:e>
+                          <m:sup>
+                            <m:r>
+                              <a:rPr lang="en-US" altLang="zh-CN" b="0" i="1" smtClean="0">
+                                <a:latin typeface="Cambria Math" panose="02040503050406030204" pitchFamily="18" charset="0"/>
+                              </a:rPr>
+                              <m:t>2</m:t>
+                            </m:r>
+                          </m:sup>
+                        </m:sSup>
+                        <m:r>
+                          <a:rPr lang="en-US" altLang="zh-CN" b="0" i="1" smtClean="0">
+                            <a:latin typeface="Cambria Math" panose="02040503050406030204" pitchFamily="18" charset="0"/>
+                          </a:rPr>
+                          <m:t>𝑘</m:t>
+                        </m:r>
+                        <m:sSup>
+                          <m:sSupPr>
+                            <m:ctrlPr>
+                              <a:rPr lang="en-US" altLang="zh-CN" b="0" i="1" smtClean="0">
+                                <a:latin typeface="Cambria Math" panose="02040503050406030204" pitchFamily="18" charset="0"/>
+                              </a:rPr>
+                            </m:ctrlPr>
+                          </m:sSupPr>
+                          <m:e>
+                            <m:r>
+                              <a:rPr lang="en-US" altLang="zh-CN" b="0" i="1" smtClean="0">
+                                <a:latin typeface="Cambria Math" panose="02040503050406030204" pitchFamily="18" charset="0"/>
+                              </a:rPr>
+                              <m:t>𝑏</m:t>
+                            </m:r>
+                          </m:e>
+                          <m:sup>
+                            <m:r>
+                              <a:rPr lang="en-US" altLang="zh-CN" b="0" i="1" smtClean="0">
+                                <a:latin typeface="Cambria Math" panose="02040503050406030204" pitchFamily="18" charset="0"/>
+                              </a:rPr>
+                              <m:t>2</m:t>
+                            </m:r>
+                          </m:sup>
+                        </m:sSup>
+                      </m:num>
+                      <m:den>
+                        <m:sSub>
+                          <m:sSubPr>
+                            <m:ctrlPr>
+                              <a:rPr lang="en-US" altLang="zh-CN" b="0" i="1" smtClean="0">
+                                <a:solidFill>
+                                  <a:srgbClr val="FF0000"/>
+                                </a:solidFill>
+                                <a:latin typeface="Cambria Math" panose="02040503050406030204" pitchFamily="18" charset="0"/>
+                              </a:rPr>
+                            </m:ctrlPr>
+                          </m:sSubPr>
+                          <m:e>
+                            <m:r>
+                              <a:rPr lang="en-US" altLang="zh-CN" i="1">
+                                <a:solidFill>
+                                  <a:srgbClr val="FF0000"/>
+                                </a:solidFill>
+                                <a:latin typeface="Cambria Math" panose="02040503050406030204" pitchFamily="18" charset="0"/>
+                              </a:rPr>
+                              <m:t>𝑘</m:t>
+                            </m:r>
+                          </m:e>
+                          <m:sub>
+                            <m:r>
+                              <m:rPr>
+                                <m:sty m:val="p"/>
+                              </m:rPr>
+                              <a:rPr lang="en-US" altLang="zh-CN" b="0" i="0" smtClean="0">
+                                <a:solidFill>
+                                  <a:srgbClr val="FF0000"/>
+                                </a:solidFill>
+                                <a:latin typeface="Cambria Math" panose="02040503050406030204" pitchFamily="18" charset="0"/>
+                              </a:rPr>
+                              <m:t>Γ</m:t>
+                            </m:r>
+                          </m:sub>
+                        </m:sSub>
+                      </m:den>
+                    </m:f>
+                  </m:oMath>
+                </a14:m>
+                <a:endParaRPr lang="zh-CN" altLang="en-US" dirty="0"/>
+              </a:p>
+            </p:txBody>
+          </p:sp>
+        </mc:Choice>
+        <mc:Fallback xmlns="">
+          <p:sp>
+            <p:nvSpPr>
+              <p:cNvPr id="3" name="内容占位符 2">
+                <a:extLst>
+                  <a:ext uri="{FF2B5EF4-FFF2-40B4-BE49-F238E27FC236}">
+                    <a16:creationId xmlns:a16="http://schemas.microsoft.com/office/drawing/2014/main" id="{E159EDDD-CCDE-416E-A199-FE95B4609C06}"/>
+                  </a:ext>
+                </a:extLst>
+              </p:cNvPr>
+              <p:cNvSpPr>
+                <a:spLocks noGrp="1" noRot="1" noChangeAspect="1" noMove="1" noResize="1" noEditPoints="1" noAdjustHandles="1" noChangeArrowheads="1" noChangeShapeType="1" noTextEdit="1"/>
+              </p:cNvSpPr>
+              <p:nvPr>
+                <p:ph idx="1"/>
+              </p:nvPr>
+            </p:nvSpPr>
+            <p:spPr>
+              <a:xfrm>
+                <a:off x="838200" y="2004734"/>
+                <a:ext cx="10515600" cy="2689814"/>
+              </a:xfrm>
+              <a:blipFill>
+                <a:blip r:embed="rId3"/>
+                <a:stretch>
+                  <a:fillRect/>
+                </a:stretch>
+              </a:blipFill>
+            </p:spPr>
+            <p:txBody>
+              <a:bodyPr/>
+              <a:lstStyle/>
+              <a:p>
+                <a:r>
+                  <a:rPr lang="zh-CN" altLang="en-US">
+                    <a:noFill/>
+                  </a:rPr>
+                  <a:t> </a:t>
+                </a:r>
+              </a:p>
+            </p:txBody>
+          </p:sp>
+        </mc:Fallback>
+      </mc:AlternateContent>
+    </p:spTree>
+    <p:extLst>
+      <p:ext uri="{BB962C8B-B14F-4D97-AF65-F5344CB8AC3E}">
+        <p14:creationId xmlns:p14="http://schemas.microsoft.com/office/powerpoint/2010/main" val="2886032636"/>
+      </p:ext>
+    </p:extLst>
+  </p:cSld>
+  <p:clrMapOvr>
+    <a:masterClrMapping/>
+  </p:clrMapOvr>
+</p:sld>
+</file>
+
+<file path=ppt/slides/slide19.xml><?xml version="1.0" encoding="utf-8"?>
+<p:sld xmlns:a="http://schemas.openxmlformats.org/drawingml/2006/main" xmlns:r="http://schemas.openxmlformats.org/officeDocument/2006/relationships" xmlns:p="http://schemas.openxmlformats.org/presentationml/2006/main">
+  <p:cSld>
+    <p:spTree>
+      <p:nvGrpSpPr>
+        <p:cNvPr id="1" name=""/>
+        <p:cNvGrpSpPr/>
+        <p:nvPr/>
+      </p:nvGrpSpPr>
+      <p:grpSpPr>
+        <a:xfrm>
+          <a:off x="0" y="0"/>
+          <a:ext cx="0" cy="0"/>
+          <a:chOff x="0" y="0"/>
+          <a:chExt cx="0" cy="0"/>
+        </a:xfrm>
+      </p:grpSpPr>
+      <p:sp>
+        <p:nvSpPr>
+          <p:cNvPr id="2" name="标题 1">
+            <a:extLst>
+              <a:ext uri="{FF2B5EF4-FFF2-40B4-BE49-F238E27FC236}">
+                <a16:creationId xmlns:a16="http://schemas.microsoft.com/office/drawing/2014/main" id="{8ADCFC1D-76D7-419F-A837-3B5FA47FBE2D}"/>
+              </a:ext>
+            </a:extLst>
+          </p:cNvPr>
+          <p:cNvSpPr>
+            <a:spLocks noGrp="1"/>
+          </p:cNvSpPr>
+          <p:nvPr>
+            <p:ph type="title"/>
+          </p:nvPr>
+        </p:nvSpPr>
+        <p:spPr/>
+        <p:txBody>
+          <a:bodyPr/>
+          <a:lstStyle/>
+          <a:p>
+            <a:r>
+              <a:rPr lang="en-US" altLang="zh-CN" dirty="0"/>
+              <a:t>To Do</a:t>
+            </a:r>
+            <a:endParaRPr lang="zh-CN" altLang="en-US" dirty="0"/>
+          </a:p>
+        </p:txBody>
+      </p:sp>
+      <mc:AlternateContent xmlns:mc="http://schemas.openxmlformats.org/markup-compatibility/2006">
+        <mc:Choice xmlns:a14="http://schemas.microsoft.com/office/drawing/2010/main" Requires="a14">
+          <p:sp>
+            <p:nvSpPr>
+              <p:cNvPr id="3" name="内容占位符 2">
+                <a:extLst>
+                  <a:ext uri="{FF2B5EF4-FFF2-40B4-BE49-F238E27FC236}">
+                    <a16:creationId xmlns:a16="http://schemas.microsoft.com/office/drawing/2014/main" id="{2A5086BA-BD28-47F1-A3F6-5531B84B859E}"/>
+                  </a:ext>
+                </a:extLst>
+              </p:cNvPr>
+              <p:cNvSpPr>
+                <a:spLocks noGrp="1"/>
+              </p:cNvSpPr>
+              <p:nvPr>
+                <p:ph idx="1"/>
+              </p:nvPr>
+            </p:nvSpPr>
+            <p:spPr/>
+            <p:txBody>
+              <a:bodyPr/>
+              <a:lstStyle/>
+              <a:p>
+                <a:r>
+                  <a:rPr lang="en-US" altLang="zh-CN" dirty="0"/>
+                  <a:t>Fix the converting between </a:t>
+                </a:r>
+                <a14:m>
+                  <m:oMath xmlns:m="http://schemas.openxmlformats.org/officeDocument/2006/math">
+                    <m:sSub>
+                      <m:sSubPr>
+                        <m:ctrlPr>
+                          <a:rPr lang="en-US" altLang="zh-CN" b="0" i="1" smtClean="0">
+                            <a:latin typeface="Cambria Math" panose="02040503050406030204" pitchFamily="18" charset="0"/>
+                          </a:rPr>
+                        </m:ctrlPr>
+                      </m:sSubPr>
+                      <m:e>
+                        <m:r>
+                          <a:rPr lang="en-US" altLang="zh-CN" b="0" i="1" smtClean="0">
+                            <a:latin typeface="Cambria Math" panose="02040503050406030204" pitchFamily="18" charset="0"/>
+                          </a:rPr>
+                          <m:t>𝑘</m:t>
+                        </m:r>
+                      </m:e>
+                      <m:sub>
+                        <m:r>
+                          <m:rPr>
+                            <m:sty m:val="p"/>
+                          </m:rPr>
+                          <a:rPr lang="en-US" altLang="zh-CN" b="0" i="0" smtClean="0">
+                            <a:latin typeface="Cambria Math" panose="02040503050406030204" pitchFamily="18" charset="0"/>
+                          </a:rPr>
+                          <m:t>Γ</m:t>
+                        </m:r>
+                      </m:sub>
+                    </m:sSub>
+                  </m:oMath>
+                </a14:m>
+                <a:r>
+                  <a:rPr lang="en-US" altLang="zh-CN" dirty="0"/>
+                  <a:t> and </a:t>
+                </a:r>
+                <a14:m>
+                  <m:oMath xmlns:m="http://schemas.openxmlformats.org/officeDocument/2006/math">
+                    <m:sSub>
+                      <m:sSubPr>
+                        <m:ctrlPr>
+                          <a:rPr lang="en-US" altLang="zh-CN" i="1">
+                            <a:latin typeface="Cambria Math" panose="02040503050406030204" pitchFamily="18" charset="0"/>
+                          </a:rPr>
+                        </m:ctrlPr>
+                      </m:sSubPr>
+                      <m:e>
+                        <m:r>
+                          <a:rPr lang="en-US" altLang="zh-CN" b="0" i="1" smtClean="0">
+                            <a:latin typeface="Cambria Math" panose="02040503050406030204" pitchFamily="18" charset="0"/>
+                          </a:rPr>
+                          <m:t>𝐵𝑅</m:t>
+                        </m:r>
+                      </m:e>
+                      <m:sub>
+                        <m:r>
+                          <m:rPr>
+                            <m:sty m:val="p"/>
+                          </m:rPr>
+                          <a:rPr lang="en-US" altLang="zh-CN" b="0" i="0" smtClean="0">
+                            <a:latin typeface="Cambria Math" panose="02040503050406030204" pitchFamily="18" charset="0"/>
+                          </a:rPr>
+                          <m:t>BSM</m:t>
+                        </m:r>
+                      </m:sub>
+                    </m:sSub>
+                  </m:oMath>
+                </a14:m>
+                <a:r>
+                  <a:rPr lang="en-US" altLang="zh-CN" dirty="0"/>
+                  <a:t> </a:t>
+                </a:r>
+              </a:p>
+              <a:p>
+                <a:r>
+                  <a:rPr lang="en-US" altLang="zh-CN" dirty="0"/>
+                  <a:t>Complete the draft</a:t>
+                </a:r>
+                <a:endParaRPr lang="zh-CN" altLang="en-US" dirty="0"/>
+              </a:p>
+            </p:txBody>
+          </p:sp>
+        </mc:Choice>
+        <mc:Fallback>
+          <p:sp>
+            <p:nvSpPr>
+              <p:cNvPr id="3" name="内容占位符 2">
+                <a:extLst>
+                  <a:ext uri="{FF2B5EF4-FFF2-40B4-BE49-F238E27FC236}">
+                    <a16:creationId xmlns:a16="http://schemas.microsoft.com/office/drawing/2014/main" id="{2A5086BA-BD28-47F1-A3F6-5531B84B859E}"/>
+                  </a:ext>
+                </a:extLst>
+              </p:cNvPr>
+              <p:cNvSpPr>
+                <a:spLocks noGrp="1" noRot="1" noChangeAspect="1" noMove="1" noResize="1" noEditPoints="1" noAdjustHandles="1" noChangeArrowheads="1" noChangeShapeType="1" noTextEdit="1"/>
+              </p:cNvSpPr>
+              <p:nvPr>
+                <p:ph idx="1"/>
+              </p:nvPr>
+            </p:nvSpPr>
+            <p:spPr>
+              <a:blipFill>
+                <a:blip r:embed="rId2"/>
+                <a:stretch>
+                  <a:fillRect l="-1043" t="-2381"/>
+                </a:stretch>
+              </a:blipFill>
+            </p:spPr>
+            <p:txBody>
+              <a:bodyPr/>
+              <a:lstStyle/>
+              <a:p>
+                <a:r>
+                  <a:rPr lang="zh-CN" altLang="en-US">
+                    <a:noFill/>
+                  </a:rPr>
+                  <a:t> </a:t>
+                </a:r>
+              </a:p>
+            </p:txBody>
+          </p:sp>
+        </mc:Fallback>
+      </mc:AlternateContent>
+    </p:spTree>
+    <p:extLst>
+      <p:ext uri="{BB962C8B-B14F-4D97-AF65-F5344CB8AC3E}">
+        <p14:creationId xmlns:p14="http://schemas.microsoft.com/office/powerpoint/2010/main" val="1120069368"/>
       </p:ext>
     </p:extLst>
   </p:cSld>
@@ -6992,8 +11203,8 @@
           </a:p>
         </p:txBody>
       </p:sp>
-      <mc:AlternateContent xmlns:mc="http://schemas.openxmlformats.org/markup-compatibility/2006">
-        <mc:Choice xmlns:a14="http://schemas.microsoft.com/office/drawing/2010/main" Requires="a14">
+      <mc:AlternateContent xmlns:mc="http://schemas.openxmlformats.org/markup-compatibility/2006" xmlns:a14="http://schemas.microsoft.com/office/drawing/2010/main">
+        <mc:Choice Requires="a14">
           <p:sp>
             <p:nvSpPr>
               <p:cNvPr id="13" name="文本框 12">
@@ -7140,7 +11351,7 @@
             </p:txBody>
           </p:sp>
         </mc:Choice>
-        <mc:Fallback>
+        <mc:Fallback xmlns="">
           <p:sp>
             <p:nvSpPr>
               <p:cNvPr id="13" name="文本框 12">
